--- a/docs/choose_blocks.pptx
+++ b/docs/choose_blocks.pptx
@@ -245,7 +245,7 @@
           <a:p>
             <a:fld id="{6A96EA6E-A9F3-40C8-A047-16E35C64F658}" type="datetimeFigureOut">
               <a:rPr lang="tr-TR" smtClean="0"/>
-              <a:t>13.04.2022</a:t>
+              <a:t>14.04.2022</a:t>
             </a:fld>
             <a:endParaRPr lang="tr-TR"/>
           </a:p>
@@ -415,7 +415,7 @@
           <a:p>
             <a:fld id="{6A96EA6E-A9F3-40C8-A047-16E35C64F658}" type="datetimeFigureOut">
               <a:rPr lang="tr-TR" smtClean="0"/>
-              <a:t>13.04.2022</a:t>
+              <a:t>14.04.2022</a:t>
             </a:fld>
             <a:endParaRPr lang="tr-TR"/>
           </a:p>
@@ -595,7 +595,7 @@
           <a:p>
             <a:fld id="{6A96EA6E-A9F3-40C8-A047-16E35C64F658}" type="datetimeFigureOut">
               <a:rPr lang="tr-TR" smtClean="0"/>
-              <a:t>13.04.2022</a:t>
+              <a:t>14.04.2022</a:t>
             </a:fld>
             <a:endParaRPr lang="tr-TR"/>
           </a:p>
@@ -765,7 +765,7 @@
           <a:p>
             <a:fld id="{6A96EA6E-A9F3-40C8-A047-16E35C64F658}" type="datetimeFigureOut">
               <a:rPr lang="tr-TR" smtClean="0"/>
-              <a:t>13.04.2022</a:t>
+              <a:t>14.04.2022</a:t>
             </a:fld>
             <a:endParaRPr lang="tr-TR"/>
           </a:p>
@@ -1011,7 +1011,7 @@
           <a:p>
             <a:fld id="{6A96EA6E-A9F3-40C8-A047-16E35C64F658}" type="datetimeFigureOut">
               <a:rPr lang="tr-TR" smtClean="0"/>
-              <a:t>13.04.2022</a:t>
+              <a:t>14.04.2022</a:t>
             </a:fld>
             <a:endParaRPr lang="tr-TR"/>
           </a:p>
@@ -1243,7 +1243,7 @@
           <a:p>
             <a:fld id="{6A96EA6E-A9F3-40C8-A047-16E35C64F658}" type="datetimeFigureOut">
               <a:rPr lang="tr-TR" smtClean="0"/>
-              <a:t>13.04.2022</a:t>
+              <a:t>14.04.2022</a:t>
             </a:fld>
             <a:endParaRPr lang="tr-TR"/>
           </a:p>
@@ -1610,7 +1610,7 @@
           <a:p>
             <a:fld id="{6A96EA6E-A9F3-40C8-A047-16E35C64F658}" type="datetimeFigureOut">
               <a:rPr lang="tr-TR" smtClean="0"/>
-              <a:t>13.04.2022</a:t>
+              <a:t>14.04.2022</a:t>
             </a:fld>
             <a:endParaRPr lang="tr-TR"/>
           </a:p>
@@ -1728,7 +1728,7 @@
           <a:p>
             <a:fld id="{6A96EA6E-A9F3-40C8-A047-16E35C64F658}" type="datetimeFigureOut">
               <a:rPr lang="tr-TR" smtClean="0"/>
-              <a:t>13.04.2022</a:t>
+              <a:t>14.04.2022</a:t>
             </a:fld>
             <a:endParaRPr lang="tr-TR"/>
           </a:p>
@@ -1823,7 +1823,7 @@
           <a:p>
             <a:fld id="{6A96EA6E-A9F3-40C8-A047-16E35C64F658}" type="datetimeFigureOut">
               <a:rPr lang="tr-TR" smtClean="0"/>
-              <a:t>13.04.2022</a:t>
+              <a:t>14.04.2022</a:t>
             </a:fld>
             <a:endParaRPr lang="tr-TR"/>
           </a:p>
@@ -2100,7 +2100,7 @@
           <a:p>
             <a:fld id="{6A96EA6E-A9F3-40C8-A047-16E35C64F658}" type="datetimeFigureOut">
               <a:rPr lang="tr-TR" smtClean="0"/>
-              <a:t>13.04.2022</a:t>
+              <a:t>14.04.2022</a:t>
             </a:fld>
             <a:endParaRPr lang="tr-TR"/>
           </a:p>
@@ -2353,7 +2353,7 @@
           <a:p>
             <a:fld id="{6A96EA6E-A9F3-40C8-A047-16E35C64F658}" type="datetimeFigureOut">
               <a:rPr lang="tr-TR" smtClean="0"/>
-              <a:t>13.04.2022</a:t>
+              <a:t>14.04.2022</a:t>
             </a:fld>
             <a:endParaRPr lang="tr-TR"/>
           </a:p>
@@ -2566,7 +2566,7 @@
           <a:p>
             <a:fld id="{6A96EA6E-A9F3-40C8-A047-16E35C64F658}" type="datetimeFigureOut">
               <a:rPr lang="tr-TR" smtClean="0"/>
-              <a:t>13.04.2022</a:t>
+              <a:t>14.04.2022</a:t>
             </a:fld>
             <a:endParaRPr lang="tr-TR"/>
           </a:p>
@@ -4504,22 +4504,34 @@
               <a:t> </a:t>
             </a:r>
             <a:r>
-              <a:rPr lang="tr-TR" sz="2400" b="1" dirty="0" err="1">
-                <a:solidFill>
-                  <a:schemeClr val="accent6"/>
+              <a:rPr lang="tr-TR" sz="2400" dirty="0" err="1">
+                <a:solidFill>
+                  <a:srgbClr val="ED7D31"/>
                 </a:solidFill>
               </a:rPr>
               <a:t>configuration</a:t>
             </a:r>
             <a:r>
-              <a:rPr lang="tr-TR" sz="2400" dirty="0"/>
+              <a:rPr lang="tr-TR" sz="2400" dirty="0">
+                <a:solidFill>
+                  <a:srgbClr val="ED7D31"/>
+                </a:solidFill>
+              </a:rPr>
               <a:t> </a:t>
             </a:r>
             <a:r>
-              <a:rPr lang="tr-TR" sz="2400" dirty="0" err="1"/>
+              <a:rPr lang="tr-TR" sz="2400" dirty="0" err="1">
+                <a:solidFill>
+                  <a:srgbClr val="ED7D31"/>
+                </a:solidFill>
+              </a:rPr>
               <a:t>files</a:t>
             </a:r>
-            <a:endParaRPr lang="tr-TR" sz="2400" dirty="0"/>
+            <a:endParaRPr lang="tr-TR" sz="2400" dirty="0">
+              <a:solidFill>
+                <a:srgbClr val="ED7D31"/>
+              </a:solidFill>
+            </a:endParaRPr>
           </a:p>
           <a:p>
             <a:endParaRPr lang="tr-TR" sz="2400" dirty="0"/>

--- a/docs/choose_blocks.pptx
+++ b/docs/choose_blocks.pptx
@@ -3091,7 +3091,7 @@
         <p:spPr>
           <a:xfrm>
             <a:off x="1061012" y="1633185"/>
-            <a:ext cx="10069975" cy="830997"/>
+            <a:ext cx="10069975" cy="2308324"/>
           </a:xfrm>
           <a:prstGeom prst="rect">
             <a:avLst/>
@@ -3105,34 +3105,98 @@
           <a:lstStyle/>
           <a:p>
             <a:r>
-              <a:rPr lang="tr-TR" sz="2400" b="1" dirty="0" err="1">
-                <a:solidFill>
-                  <a:srgbClr val="00B0F0"/>
-                </a:solidFill>
-              </a:rPr>
-              <a:t>choose</a:t>
-            </a:r>
-            <a:r>
-              <a:rPr lang="tr-TR" sz="2400" b="1" dirty="0">
-                <a:solidFill>
-                  <a:srgbClr val="00B0F0"/>
-                </a:solidFill>
-              </a:rPr>
-              <a:t>_ </a:t>
-            </a:r>
-            <a:r>
-              <a:rPr lang="tr-TR" sz="2400" b="1" dirty="0" err="1">
-                <a:solidFill>
-                  <a:srgbClr val="00B0F0"/>
-                </a:solidFill>
-              </a:rPr>
-              <a:t>blocks</a:t>
+              <a:rPr lang="tr-TR" sz="2400" dirty="0"/>
+              <a:t>a </a:t>
+            </a:r>
+            <a:r>
+              <a:rPr lang="tr-TR" sz="2400" dirty="0" err="1"/>
+              <a:t>yaml</a:t>
             </a:r>
             <a:r>
               <a:rPr lang="tr-TR" sz="2400" dirty="0"/>
               <a:t> </a:t>
             </a:r>
             <a:r>
+              <a:rPr lang="tr-TR" sz="2400" dirty="0" err="1">
+                <a:solidFill>
+                  <a:schemeClr val="accent2"/>
+                </a:solidFill>
+              </a:rPr>
+              <a:t>dictionary</a:t>
+            </a:r>
+            <a:r>
+              <a:rPr lang="tr-TR" sz="2400" dirty="0"/>
+              <a:t> </a:t>
+            </a:r>
+            <a:r>
+              <a:rPr lang="tr-TR" sz="2400" dirty="0" err="1"/>
+              <a:t>with</a:t>
+            </a:r>
+            <a:r>
+              <a:rPr lang="tr-TR" sz="2400" dirty="0"/>
+              <a:t> an </a:t>
+            </a:r>
+            <a:r>
+              <a:rPr lang="tr-TR" sz="2400" dirty="0" err="1"/>
+              <a:t>extended</a:t>
+            </a:r>
+            <a:r>
+              <a:rPr lang="tr-TR" sz="2400" dirty="0"/>
+              <a:t> </a:t>
+            </a:r>
+            <a:r>
+              <a:rPr lang="tr-TR" sz="2400" dirty="0" err="1"/>
+              <a:t>functionality</a:t>
+            </a:r>
+            <a:r>
+              <a:rPr lang="tr-TR" sz="2400" dirty="0"/>
+              <a:t> in ESM-Tools</a:t>
+            </a:r>
+          </a:p>
+          <a:p>
+            <a:endParaRPr lang="tr-TR" sz="2400" b="1" dirty="0">
+              <a:solidFill>
+                <a:srgbClr val="00B0F0"/>
+              </a:solidFill>
+            </a:endParaRPr>
+          </a:p>
+          <a:p>
+            <a:endParaRPr lang="tr-TR" sz="2400" b="1" dirty="0">
+              <a:solidFill>
+                <a:srgbClr val="00B0F0"/>
+              </a:solidFill>
+            </a:endParaRPr>
+          </a:p>
+          <a:p>
+            <a:r>
+              <a:rPr lang="tr-TR" sz="2400" b="1" dirty="0" err="1">
+                <a:solidFill>
+                  <a:srgbClr val="00B0F0"/>
+                </a:solidFill>
+              </a:rPr>
+              <a:t>choose</a:t>
+            </a:r>
+            <a:r>
+              <a:rPr lang="tr-TR" sz="2400" b="1" dirty="0">
+                <a:solidFill>
+                  <a:srgbClr val="00B0F0"/>
+                </a:solidFill>
+              </a:rPr>
+              <a:t>_ </a:t>
+            </a:r>
+            <a:r>
+              <a:rPr lang="tr-TR" sz="2400" b="1" dirty="0" err="1">
+                <a:solidFill>
+                  <a:srgbClr val="00B0F0"/>
+                </a:solidFill>
+              </a:rPr>
+              <a:t>blocks</a:t>
+            </a:r>
+            <a:r>
+              <a:rPr lang="tr-TR" sz="2400" dirty="0"/>
+              <a:t> </a:t>
+            </a:r>
+            <a:r>
               <a:rPr lang="tr-TR" sz="2400" dirty="0" err="1"/>
               <a:t>are</a:t>
             </a:r>
@@ -3247,6 +3311,13 @@
               </a:rPr>
               <a:t>statements</a:t>
             </a:r>
+            <a:endParaRPr lang="tr-TR" sz="2400" b="1" dirty="0">
+              <a:solidFill>
+                <a:srgbClr val="00B0F0"/>
+              </a:solidFill>
+            </a:endParaRPr>
+          </a:p>
+          <a:p>
             <a:endParaRPr lang="tr-TR" sz="2400" b="1" dirty="0">
               <a:solidFill>
                 <a:srgbClr val="00B0F0"/>
@@ -3269,7 +3340,7 @@
         </p:nvSpPr>
         <p:spPr>
           <a:xfrm>
-            <a:off x="236249" y="3280985"/>
+            <a:off x="236249" y="3913284"/>
             <a:ext cx="3147015" cy="2246769"/>
           </a:xfrm>
           <a:prstGeom prst="rect">
@@ -3643,7 +3714,7 @@
         </p:nvSpPr>
         <p:spPr>
           <a:xfrm>
-            <a:off x="6474834" y="3280985"/>
+            <a:off x="6474834" y="3913284"/>
             <a:ext cx="2653290" cy="2246769"/>
           </a:xfrm>
           <a:prstGeom prst="rect">
@@ -3865,7 +3936,7 @@
         </p:nvSpPr>
         <p:spPr>
           <a:xfrm>
-            <a:off x="9285549" y="3280985"/>
+            <a:off x="9285549" y="3913284"/>
             <a:ext cx="2653290" cy="2246769"/>
           </a:xfrm>
           <a:prstGeom prst="rect">
@@ -3997,7 +4068,7 @@
         </p:nvSpPr>
         <p:spPr>
           <a:xfrm>
-            <a:off x="3540688" y="3280985"/>
+            <a:off x="3540688" y="3913284"/>
             <a:ext cx="2776722" cy="2739211"/>
           </a:xfrm>
           <a:prstGeom prst="rect">
@@ -4287,6 +4358,58 @@
               <a:t>esac</a:t>
             </a:r>
             <a:endParaRPr lang="en-US" sz="1600" dirty="0"/>
+          </a:p>
+        </p:txBody>
+      </p:sp>
+      <p:sp>
+        <p:nvSpPr>
+          <p:cNvPr id="9" name="Isosceles Triangle 6">
+            <a:extLst>
+              <a:ext uri="{FF2B5EF4-FFF2-40B4-BE49-F238E27FC236}">
+                <a16:creationId xmlns:a16="http://schemas.microsoft.com/office/drawing/2014/main" id="{6EF375BF-D2DF-E58C-5FC8-D13EA0C9CEED}"/>
+              </a:ext>
+            </a:extLst>
+          </p:cNvPr>
+          <p:cNvSpPr/>
+          <p:nvPr/>
+        </p:nvSpPr>
+        <p:spPr>
+          <a:xfrm rot="5400000">
+            <a:off x="348693" y="2805750"/>
+            <a:ext cx="457812" cy="394666"/>
+          </a:xfrm>
+          <a:prstGeom prst="triangle">
+            <a:avLst/>
+          </a:prstGeom>
+          <a:solidFill>
+            <a:srgbClr val="00ACE6"/>
+          </a:solidFill>
+          <a:ln>
+            <a:noFill/>
+          </a:ln>
+        </p:spPr>
+        <p:style>
+          <a:lnRef idx="2">
+            <a:schemeClr val="accent1">
+              <a:shade val="50000"/>
+            </a:schemeClr>
+          </a:lnRef>
+          <a:fillRef idx="1">
+            <a:schemeClr val="accent1"/>
+          </a:fillRef>
+          <a:effectRef idx="0">
+            <a:schemeClr val="accent1"/>
+          </a:effectRef>
+          <a:fontRef idx="minor">
+            <a:schemeClr val="lt1"/>
+          </a:fontRef>
+        </p:style>
+        <p:txBody>
+          <a:bodyPr rtlCol="0" anchor="ctr"/>
+          <a:lstStyle/>
+          <a:p>
+            <a:pPr algn="ctr"/>
+            <a:endParaRPr lang="tr-TR"/>
           </a:p>
         </p:txBody>
       </p:sp>

--- a/docs/choose_blocks.pptx
+++ b/docs/choose_blocks.pptx
@@ -2979,7 +2979,7 @@
         </p:nvSpPr>
         <p:spPr>
           <a:xfrm>
-            <a:off x="0" y="2"/>
+            <a:off x="0" y="0"/>
             <a:ext cx="12192000" cy="1296364"/>
           </a:xfrm>
           <a:prstGeom prst="rect">
@@ -3013,26 +3013,17 @@
           <a:lstStyle/>
           <a:p>
             <a:r>
-              <a:rPr lang="tr-TR" sz="4800" dirty="0"/>
+              <a:rPr lang="en-GB" sz="4800"/>
               <a:t> </a:t>
             </a:r>
             <a:r>
-              <a:rPr lang="tr-TR" sz="4800" b="1" dirty="0" err="1"/>
-              <a:t>choose</a:t>
-            </a:r>
-            <a:r>
-              <a:rPr lang="tr-TR" sz="4800" b="1" dirty="0"/>
-              <a:t>_</a:t>
-            </a:r>
-            <a:r>
-              <a:rPr lang="tr-TR" sz="4800" dirty="0"/>
-              <a:t> </a:t>
-            </a:r>
-            <a:r>
-              <a:rPr lang="tr-TR" sz="4800" dirty="0" err="1"/>
-              <a:t>blocks</a:t>
-            </a:r>
-            <a:endParaRPr lang="tr-TR" sz="4800" dirty="0"/>
+              <a:rPr lang="en-GB" sz="4800" b="1"/>
+              <a:t>choose_</a:t>
+            </a:r>
+            <a:r>
+              <a:rPr lang="en-GB" sz="4800"/>
+              <a:t> blocks</a:t>
+            </a:r>
           </a:p>
         </p:txBody>
       </p:sp>
@@ -3105,19 +3096,19 @@
           <a:lstStyle/>
           <a:p>
             <a:r>
-              <a:rPr lang="tr-TR" sz="2400" dirty="0"/>
+              <a:rPr lang="en-GB" sz="2400" dirty="0"/>
               <a:t>a </a:t>
             </a:r>
             <a:r>
-              <a:rPr lang="tr-TR" sz="2400" dirty="0" err="1"/>
+              <a:rPr lang="en-GB" sz="2400" dirty="0" err="1"/>
               <a:t>yaml</a:t>
             </a:r>
             <a:r>
-              <a:rPr lang="tr-TR" sz="2400" dirty="0"/>
+              <a:rPr lang="en-GB" sz="2400" dirty="0"/>
               <a:t> </a:t>
             </a:r>
             <a:r>
-              <a:rPr lang="tr-TR" sz="2400" dirty="0" err="1">
+              <a:rPr lang="en-GB" sz="2400" dirty="0">
                 <a:solidFill>
                   <a:schemeClr val="accent2"/>
                 </a:solidFill>
@@ -3125,43 +3116,19 @@
               <a:t>dictionary</a:t>
             </a:r>
             <a:r>
-              <a:rPr lang="tr-TR" sz="2400" dirty="0"/>
-              <a:t> </a:t>
-            </a:r>
-            <a:r>
-              <a:rPr lang="tr-TR" sz="2400" dirty="0" err="1"/>
-              <a:t>with</a:t>
-            </a:r>
-            <a:r>
-              <a:rPr lang="tr-TR" sz="2400" dirty="0"/>
-              <a:t> an </a:t>
-            </a:r>
-            <a:r>
-              <a:rPr lang="tr-TR" sz="2400" dirty="0" err="1"/>
-              <a:t>extended</a:t>
-            </a:r>
-            <a:r>
-              <a:rPr lang="tr-TR" sz="2400" dirty="0"/>
-              <a:t> </a:t>
-            </a:r>
-            <a:r>
-              <a:rPr lang="tr-TR" sz="2400" dirty="0" err="1"/>
-              <a:t>functionality</a:t>
-            </a:r>
-            <a:r>
-              <a:rPr lang="tr-TR" sz="2400" dirty="0"/>
-              <a:t> in ESM-Tools</a:t>
-            </a:r>
-          </a:p>
-          <a:p>
-            <a:endParaRPr lang="tr-TR" sz="2400" b="1" dirty="0">
+              <a:rPr lang="en-GB" sz="2400" dirty="0"/>
+              <a:t> with an extended functionality in ESM-Tools</a:t>
+            </a:r>
+          </a:p>
+          <a:p>
+            <a:endParaRPr lang="en-GB" sz="2400" b="1" dirty="0">
               <a:solidFill>
                 <a:srgbClr val="00B0F0"/>
               </a:solidFill>
             </a:endParaRPr>
           </a:p>
           <a:p>
-            <a:endParaRPr lang="tr-TR" sz="2400" b="1" dirty="0">
+            <a:endParaRPr lang="en-GB" sz="2400" b="1" dirty="0">
               <a:solidFill>
                 <a:srgbClr val="00B0F0"/>
               </a:solidFill>
@@ -3169,156 +3136,47 @@
           </a:p>
           <a:p>
             <a:r>
-              <a:rPr lang="tr-TR" sz="2400" b="1" dirty="0" err="1">
+              <a:rPr lang="en-GB" sz="2400" b="1" dirty="0">
                 <a:solidFill>
                   <a:srgbClr val="00B0F0"/>
                 </a:solidFill>
               </a:rPr>
-              <a:t>choose</a:t>
-            </a:r>
-            <a:r>
-              <a:rPr lang="tr-TR" sz="2400" b="1" dirty="0">
+              <a:t>choose_ blocks</a:t>
+            </a:r>
+            <a:r>
+              <a:rPr lang="en-GB" sz="2400" dirty="0"/>
+              <a:t> are what in programming languages is known as a</a:t>
+            </a:r>
+            <a:r>
+              <a:rPr lang="en-GB" sz="2400" b="1" dirty="0">
                 <a:solidFill>
                   <a:srgbClr val="00B0F0"/>
                 </a:solidFill>
               </a:rPr>
-              <a:t>_ </a:t>
-            </a:r>
-            <a:r>
-              <a:rPr lang="tr-TR" sz="2400" b="1" dirty="0" err="1">
+              <a:t> select case </a:t>
+            </a:r>
+            <a:r>
+              <a:rPr lang="en-GB" sz="2400" dirty="0"/>
+              <a:t>or</a:t>
+            </a:r>
+            <a:endParaRPr lang="en-GB" sz="2400" b="1" dirty="0"/>
+          </a:p>
+          <a:p>
+            <a:r>
+              <a:rPr lang="en-GB" sz="2400" dirty="0"/>
+              <a:t> </a:t>
+            </a:r>
+            <a:r>
+              <a:rPr lang="en-GB" sz="2400" b="1" dirty="0">
                 <a:solidFill>
                   <a:srgbClr val="00B0F0"/>
                 </a:solidFill>
               </a:rPr>
-              <a:t>blocks</a:t>
-            </a:r>
-            <a:r>
-              <a:rPr lang="tr-TR" sz="2400" dirty="0"/>
-              <a:t> </a:t>
-            </a:r>
-            <a:r>
-              <a:rPr lang="tr-TR" sz="2400" dirty="0" err="1"/>
-              <a:t>are</a:t>
-            </a:r>
-            <a:r>
-              <a:rPr lang="tr-TR" sz="2400" dirty="0"/>
-              <a:t> </a:t>
-            </a:r>
-            <a:r>
-              <a:rPr lang="tr-TR" sz="2400" dirty="0" err="1"/>
-              <a:t>what</a:t>
-            </a:r>
-            <a:r>
-              <a:rPr lang="tr-TR" sz="2400" dirty="0"/>
-              <a:t> in </a:t>
-            </a:r>
-            <a:r>
-              <a:rPr lang="tr-TR" sz="2400" dirty="0" err="1"/>
-              <a:t>programming</a:t>
-            </a:r>
-            <a:r>
-              <a:rPr lang="tr-TR" sz="2400" dirty="0"/>
-              <a:t> </a:t>
-            </a:r>
-            <a:r>
-              <a:rPr lang="tr-TR" sz="2400" dirty="0" err="1"/>
-              <a:t>languages</a:t>
-            </a:r>
-            <a:r>
-              <a:rPr lang="tr-TR" sz="2400" dirty="0"/>
-              <a:t> is </a:t>
-            </a:r>
-            <a:r>
-              <a:rPr lang="tr-TR" sz="2400" dirty="0" err="1"/>
-              <a:t>known</a:t>
-            </a:r>
-            <a:r>
-              <a:rPr lang="tr-TR" sz="2400" dirty="0"/>
-              <a:t> as a</a:t>
-            </a:r>
-            <a:r>
-              <a:rPr lang="tr-TR" sz="2400" b="1" dirty="0">
-                <a:solidFill>
-                  <a:srgbClr val="00B0F0"/>
-                </a:solidFill>
-              </a:rPr>
-              <a:t> </a:t>
-            </a:r>
-            <a:r>
-              <a:rPr lang="tr-TR" sz="2400" b="1" dirty="0" err="1">
-                <a:solidFill>
-                  <a:srgbClr val="00B0F0"/>
-                </a:solidFill>
-              </a:rPr>
-              <a:t>select</a:t>
-            </a:r>
-            <a:r>
-              <a:rPr lang="tr-TR" sz="2400" b="1" dirty="0">
-                <a:solidFill>
-                  <a:srgbClr val="00B0F0"/>
-                </a:solidFill>
-              </a:rPr>
-              <a:t> </a:t>
-            </a:r>
-            <a:r>
-              <a:rPr lang="tr-TR" sz="2400" b="1" dirty="0" err="1">
-                <a:solidFill>
-                  <a:srgbClr val="00B0F0"/>
-                </a:solidFill>
-              </a:rPr>
-              <a:t>case</a:t>
-            </a:r>
-            <a:r>
-              <a:rPr lang="tr-TR" sz="2400" b="1" dirty="0">
-                <a:solidFill>
-                  <a:srgbClr val="00B0F0"/>
-                </a:solidFill>
-              </a:rPr>
-              <a:t> </a:t>
-            </a:r>
-            <a:r>
-              <a:rPr lang="tr-TR" sz="2400" dirty="0" err="1"/>
-              <a:t>or</a:t>
-            </a:r>
-            <a:endParaRPr lang="tr-TR" sz="2400" b="1" dirty="0"/>
-          </a:p>
-          <a:p>
-            <a:r>
-              <a:rPr lang="tr-TR" sz="2400" dirty="0"/>
-              <a:t> </a:t>
-            </a:r>
-            <a:r>
-              <a:rPr lang="tr-TR" sz="2400" b="1" dirty="0" err="1">
-                <a:solidFill>
-                  <a:srgbClr val="00B0F0"/>
-                </a:solidFill>
-              </a:rPr>
-              <a:t>switch</a:t>
-            </a:r>
-            <a:r>
-              <a:rPr lang="tr-TR" sz="2400" b="1" dirty="0">
-                <a:solidFill>
-                  <a:srgbClr val="00B0F0"/>
-                </a:solidFill>
-              </a:rPr>
-              <a:t> </a:t>
-            </a:r>
-            <a:r>
-              <a:rPr lang="tr-TR" sz="2400" b="1" dirty="0" err="1">
-                <a:solidFill>
-                  <a:srgbClr val="00B0F0"/>
-                </a:solidFill>
-              </a:rPr>
-              <a:t>statements</a:t>
-            </a:r>
-            <a:endParaRPr lang="tr-TR" sz="2400" b="1" dirty="0">
-              <a:solidFill>
-                <a:srgbClr val="00B0F0"/>
-              </a:solidFill>
-            </a:endParaRPr>
-          </a:p>
-          <a:p>
-            <a:endParaRPr lang="tr-TR" sz="2400" b="1" dirty="0">
+              <a:t>switch statements</a:t>
+            </a:r>
+          </a:p>
+          <a:p>
+            <a:endParaRPr lang="en-GB" sz="2400" b="1" dirty="0">
               <a:solidFill>
                 <a:srgbClr val="00B0F0"/>
               </a:solidFill>
@@ -3340,7 +3198,7 @@
         </p:nvSpPr>
         <p:spPr>
           <a:xfrm>
-            <a:off x="236249" y="3913284"/>
+            <a:off x="236249" y="3913282"/>
             <a:ext cx="3147015" cy="2246769"/>
           </a:xfrm>
           <a:prstGeom prst="rect">
@@ -3355,13 +3213,13 @@
           <a:lstStyle/>
           <a:p>
             <a:r>
-              <a:rPr lang="tr-TR" sz="2800" b="1" dirty="0"/>
+              <a:rPr lang="en-GB" sz="2800" b="1"/>
               <a:t>Fortran</a:t>
             </a:r>
           </a:p>
           <a:p>
             <a:r>
-              <a:rPr lang="en-US" sz="1600" dirty="0">
+              <a:rPr lang="en-GB" sz="1600">
                 <a:solidFill>
                   <a:srgbClr val="A2A506"/>
                 </a:solidFill>
@@ -3370,7 +3228,7 @@
               <a:t>SELECT</a:t>
             </a:r>
             <a:r>
-              <a:rPr lang="en-US" sz="1600" dirty="0">
+              <a:rPr lang="en-GB" sz="1600">
                 <a:solidFill>
                   <a:srgbClr val="000000"/>
                 </a:solidFill>
@@ -3379,7 +3237,7 @@
               <a:t> </a:t>
             </a:r>
             <a:r>
-              <a:rPr lang="en-US" sz="1600" dirty="0">
+              <a:rPr lang="en-GB" sz="1600">
                 <a:solidFill>
                   <a:srgbClr val="A2A506"/>
                 </a:solidFill>
@@ -3388,7 +3246,7 @@
               <a:t>CASE</a:t>
             </a:r>
             <a:r>
-              <a:rPr lang="en-US" sz="1600" dirty="0">
+              <a:rPr lang="en-GB" sz="1600">
                 <a:solidFill>
                   <a:srgbClr val="000000"/>
                 </a:solidFill>
@@ -3397,7 +3255,7 @@
               <a:t> </a:t>
             </a:r>
             <a:r>
-              <a:rPr lang="en-US" sz="1600" dirty="0">
+              <a:rPr lang="en-GB" sz="1600">
                 <a:solidFill>
                   <a:srgbClr val="128B02"/>
                 </a:solidFill>
@@ -3406,7 +3264,7 @@
               <a:t>(</a:t>
             </a:r>
             <a:r>
-              <a:rPr lang="en-US" sz="1600" dirty="0">
+              <a:rPr lang="en-GB" sz="1600">
                 <a:solidFill>
                   <a:srgbClr val="000000"/>
                 </a:solidFill>
@@ -3415,7 +3273,7 @@
               <a:t>&lt;selector&gt;</a:t>
             </a:r>
             <a:r>
-              <a:rPr lang="en-US" sz="1600" dirty="0">
+              <a:rPr lang="en-GB" sz="1600">
                 <a:solidFill>
                   <a:srgbClr val="128B02"/>
                 </a:solidFill>
@@ -3426,7 +3284,7 @@
           </a:p>
           <a:p>
             <a:r>
-              <a:rPr lang="en-US" sz="1600" dirty="0">
+              <a:rPr lang="en-GB" sz="1600">
                 <a:solidFill>
                   <a:srgbClr val="000000"/>
                 </a:solidFill>
@@ -3435,7 +3293,7 @@
               <a:t>    </a:t>
             </a:r>
             <a:r>
-              <a:rPr lang="en-US" sz="1600" dirty="0">
+              <a:rPr lang="en-GB" sz="1600">
                 <a:solidFill>
                   <a:srgbClr val="A2A506"/>
                 </a:solidFill>
@@ -3444,7 +3302,7 @@
               <a:t>CASE</a:t>
             </a:r>
             <a:r>
-              <a:rPr lang="en-US" sz="1600" dirty="0">
+              <a:rPr lang="en-GB" sz="1600">
                 <a:solidFill>
                   <a:srgbClr val="000000"/>
                 </a:solidFill>
@@ -3453,7 +3311,7 @@
               <a:t> </a:t>
             </a:r>
             <a:r>
-              <a:rPr lang="en-US" sz="1600" dirty="0">
+              <a:rPr lang="en-GB" sz="1600">
                 <a:solidFill>
                   <a:srgbClr val="128B02"/>
                 </a:solidFill>
@@ -3462,7 +3320,7 @@
               <a:t>(</a:t>
             </a:r>
             <a:r>
-              <a:rPr lang="en-US" sz="1600" dirty="0">
+              <a:rPr lang="en-GB" sz="1600">
                 <a:solidFill>
                   <a:srgbClr val="000000"/>
                 </a:solidFill>
@@ -3471,7 +3329,7 @@
               <a:t>&lt;pattern</a:t>
             </a:r>
             <a:r>
-              <a:rPr lang="en-US" sz="1600" dirty="0">
+              <a:rPr lang="en-GB" sz="1600">
                 <a:solidFill>
                   <a:srgbClr val="2B8B27"/>
                 </a:solidFill>
@@ -3480,7 +3338,7 @@
               <a:t>-</a:t>
             </a:r>
             <a:r>
-              <a:rPr lang="en-US" sz="1600" dirty="0">
+              <a:rPr lang="en-GB" sz="1600">
                 <a:solidFill>
                   <a:srgbClr val="BE4AC1"/>
                 </a:solidFill>
@@ -3489,7 +3347,7 @@
               <a:t>1</a:t>
             </a:r>
             <a:r>
-              <a:rPr lang="en-US" sz="1600" dirty="0">
+              <a:rPr lang="en-GB" sz="1600">
                 <a:solidFill>
                   <a:srgbClr val="000000"/>
                 </a:solidFill>
@@ -3498,7 +3356,7 @@
               <a:t>&gt;</a:t>
             </a:r>
             <a:r>
-              <a:rPr lang="en-US" sz="1600" dirty="0">
+              <a:rPr lang="en-GB" sz="1600">
                 <a:solidFill>
                   <a:srgbClr val="128B02"/>
                 </a:solidFill>
@@ -3509,7 +3367,7 @@
           </a:p>
           <a:p>
             <a:r>
-              <a:rPr lang="en-US" sz="1600" dirty="0">
+              <a:rPr lang="en-GB" sz="1600">
                 <a:solidFill>
                   <a:srgbClr val="000000"/>
                 </a:solidFill>
@@ -3518,7 +3376,7 @@
               <a:t>        statements</a:t>
             </a:r>
             <a:r>
-              <a:rPr lang="en-US" sz="1600" dirty="0">
+              <a:rPr lang="en-GB" sz="1600">
                 <a:solidFill>
                   <a:srgbClr val="2B8B27"/>
                 </a:solidFill>
@@ -3527,7 +3385,7 @@
               <a:t>-</a:t>
             </a:r>
             <a:r>
-              <a:rPr lang="en-US" sz="1600" dirty="0">
+              <a:rPr lang="en-GB" sz="1600">
                 <a:solidFill>
                   <a:srgbClr val="BE4AC1"/>
                 </a:solidFill>
@@ -3538,7 +3396,7 @@
           </a:p>
           <a:p>
             <a:r>
-              <a:rPr lang="en-US" sz="1600" dirty="0">
+              <a:rPr lang="en-GB" sz="1600">
                 <a:solidFill>
                   <a:srgbClr val="000000"/>
                 </a:solidFill>
@@ -3547,7 +3405,7 @@
               <a:t>    </a:t>
             </a:r>
             <a:r>
-              <a:rPr lang="en-US" sz="1600" dirty="0">
+              <a:rPr lang="en-GB" sz="1600">
                 <a:solidFill>
                   <a:srgbClr val="A2A506"/>
                 </a:solidFill>
@@ -3556,7 +3414,7 @@
               <a:t>CASE</a:t>
             </a:r>
             <a:r>
-              <a:rPr lang="en-US" sz="1600" dirty="0">
+              <a:rPr lang="en-GB" sz="1600">
                 <a:solidFill>
                   <a:srgbClr val="000000"/>
                 </a:solidFill>
@@ -3565,7 +3423,7 @@
               <a:t> </a:t>
             </a:r>
             <a:r>
-              <a:rPr lang="en-US" sz="1600" dirty="0">
+              <a:rPr lang="en-GB" sz="1600">
                 <a:solidFill>
                   <a:srgbClr val="128B02"/>
                 </a:solidFill>
@@ -3574,7 +3432,7 @@
               <a:t>(</a:t>
             </a:r>
             <a:r>
-              <a:rPr lang="en-US" sz="1600" dirty="0">
+              <a:rPr lang="en-GB" sz="1600">
                 <a:solidFill>
                   <a:srgbClr val="000000"/>
                 </a:solidFill>
@@ -3583,7 +3441,7 @@
               <a:t>&lt;pattern</a:t>
             </a:r>
             <a:r>
-              <a:rPr lang="en-US" sz="1600" dirty="0">
+              <a:rPr lang="en-GB" sz="1600">
                 <a:solidFill>
                   <a:srgbClr val="2B8B27"/>
                 </a:solidFill>
@@ -3592,7 +3450,7 @@
               <a:t>-</a:t>
             </a:r>
             <a:r>
-              <a:rPr lang="en-US" sz="1600" dirty="0">
+              <a:rPr lang="en-GB" sz="1600">
                 <a:solidFill>
                   <a:srgbClr val="BE4AC1"/>
                 </a:solidFill>
@@ -3601,7 +3459,7 @@
               <a:t>2</a:t>
             </a:r>
             <a:r>
-              <a:rPr lang="en-US" sz="1600" dirty="0">
+              <a:rPr lang="en-GB" sz="1600">
                 <a:solidFill>
                   <a:srgbClr val="000000"/>
                 </a:solidFill>
@@ -3610,7 +3468,7 @@
               <a:t>&gt;</a:t>
             </a:r>
             <a:r>
-              <a:rPr lang="en-US" sz="1600" dirty="0">
+              <a:rPr lang="en-GB" sz="1600">
                 <a:solidFill>
                   <a:srgbClr val="128B02"/>
                 </a:solidFill>
@@ -3621,7 +3479,7 @@
           </a:p>
           <a:p>
             <a:r>
-              <a:rPr lang="en-US" sz="1600" dirty="0">
+              <a:rPr lang="en-GB" sz="1600">
                 <a:solidFill>
                   <a:srgbClr val="000000"/>
                 </a:solidFill>
@@ -3630,7 +3488,7 @@
               <a:t>        statements</a:t>
             </a:r>
             <a:r>
-              <a:rPr lang="en-US" sz="1600" dirty="0">
+              <a:rPr lang="en-GB" sz="1600">
                 <a:solidFill>
                   <a:srgbClr val="2B8B27"/>
                 </a:solidFill>
@@ -3639,7 +3497,7 @@
               <a:t>-</a:t>
             </a:r>
             <a:r>
-              <a:rPr lang="en-US" sz="1600" dirty="0">
+              <a:rPr lang="en-GB" sz="1600">
                 <a:solidFill>
                   <a:srgbClr val="BE4AC1"/>
                 </a:solidFill>
@@ -3650,7 +3508,7 @@
           </a:p>
           <a:p>
             <a:r>
-              <a:rPr lang="en-US" sz="1600" dirty="0">
+              <a:rPr lang="en-GB" sz="1600">
                 <a:solidFill>
                   <a:srgbClr val="BE4AC1"/>
                 </a:solidFill>
@@ -3659,7 +3517,7 @@
               <a:t>        </a:t>
             </a:r>
             <a:r>
-              <a:rPr lang="en-US" sz="1600" dirty="0">
+              <a:rPr lang="en-GB" sz="1600">
                 <a:solidFill>
                   <a:srgbClr val="000000"/>
                 </a:solidFill>
@@ -3670,7 +3528,7 @@
           </a:p>
           <a:p>
             <a:r>
-              <a:rPr lang="en-US" sz="1600" dirty="0">
+              <a:rPr lang="en-GB" sz="1600">
                 <a:solidFill>
                   <a:srgbClr val="A2A506"/>
                 </a:solidFill>
@@ -3679,7 +3537,7 @@
               <a:t>END</a:t>
             </a:r>
             <a:r>
-              <a:rPr lang="en-US" sz="1600" dirty="0">
+              <a:rPr lang="en-GB" sz="1600">
                 <a:solidFill>
                   <a:srgbClr val="000000"/>
                 </a:solidFill>
@@ -3688,7 +3546,7 @@
               <a:t> </a:t>
             </a:r>
             <a:r>
-              <a:rPr lang="en-US" sz="1600" dirty="0">
+              <a:rPr lang="en-GB" sz="1600">
                 <a:solidFill>
                   <a:srgbClr val="A2A506"/>
                 </a:solidFill>
@@ -3696,7 +3554,7 @@
               </a:rPr>
               <a:t>SELECT</a:t>
             </a:r>
-            <a:endParaRPr lang="en-US" sz="1600" dirty="0"/>
+            <a:endParaRPr lang="en-GB" sz="1600"/>
           </a:p>
         </p:txBody>
       </p:sp>
@@ -3714,7 +3572,7 @@
         </p:nvSpPr>
         <p:spPr>
           <a:xfrm>
-            <a:off x="6474834" y="3913284"/>
+            <a:off x="6474834" y="3913282"/>
             <a:ext cx="2653290" cy="2246769"/>
           </a:xfrm>
           <a:prstGeom prst="rect">
@@ -3729,14 +3587,13 @@
           <a:lstStyle/>
           <a:p>
             <a:r>
-              <a:rPr lang="tr-TR" sz="2800" b="1" dirty="0" err="1"/>
+              <a:rPr lang="en-GB" sz="2800" b="1"/>
               <a:t>Matlab</a:t>
             </a:r>
-            <a:endParaRPr lang="tr-TR" sz="2800" b="1" dirty="0"/>
-          </a:p>
-          <a:p>
-            <a:r>
-              <a:rPr lang="en-US" sz="1600" dirty="0">
+          </a:p>
+          <a:p>
+            <a:r>
+              <a:rPr lang="en-GB" sz="1600">
                 <a:solidFill>
                   <a:srgbClr val="0000FF"/>
                 </a:solidFill>
@@ -3745,7 +3602,7 @@
               <a:t>switch</a:t>
             </a:r>
             <a:r>
-              <a:rPr lang="en-US" sz="1600" dirty="0">
+              <a:rPr lang="en-GB" sz="1600">
                 <a:solidFill>
                   <a:srgbClr val="000000"/>
                 </a:solidFill>
@@ -3756,7 +3613,7 @@
           </a:p>
           <a:p>
             <a:r>
-              <a:rPr lang="en-US" sz="1600" dirty="0">
+              <a:rPr lang="en-GB" sz="1600">
                 <a:solidFill>
                   <a:srgbClr val="000000"/>
                 </a:solidFill>
@@ -3765,7 +3622,7 @@
               <a:t>    </a:t>
             </a:r>
             <a:r>
-              <a:rPr lang="en-US" sz="1600" dirty="0">
+              <a:rPr lang="en-GB" sz="1600">
                 <a:solidFill>
                   <a:srgbClr val="0000FF"/>
                 </a:solidFill>
@@ -3774,7 +3631,7 @@
               <a:t>case</a:t>
             </a:r>
             <a:r>
-              <a:rPr lang="en-US" sz="1600" dirty="0">
+              <a:rPr lang="en-GB" sz="1600">
                 <a:solidFill>
                   <a:srgbClr val="000000"/>
                 </a:solidFill>
@@ -3783,7 +3640,7 @@
               <a:t> &lt;pattern-</a:t>
             </a:r>
             <a:r>
-              <a:rPr lang="en-US" sz="1600" dirty="0">
+              <a:rPr lang="en-GB" sz="1600">
                 <a:solidFill>
                   <a:srgbClr val="2500FF"/>
                 </a:solidFill>
@@ -3792,7 +3649,7 @@
               <a:t>1</a:t>
             </a:r>
             <a:r>
-              <a:rPr lang="en-US" sz="1600" dirty="0">
+              <a:rPr lang="en-GB" sz="1600">
                 <a:solidFill>
                   <a:srgbClr val="000000"/>
                 </a:solidFill>
@@ -3803,7 +3660,7 @@
           </a:p>
           <a:p>
             <a:r>
-              <a:rPr lang="en-US" sz="1600" dirty="0">
+              <a:rPr lang="en-GB" sz="1600">
                 <a:solidFill>
                   <a:srgbClr val="000000"/>
                 </a:solidFill>
@@ -3812,7 +3669,7 @@
               <a:t>        statements-</a:t>
             </a:r>
             <a:r>
-              <a:rPr lang="en-US" sz="1600" dirty="0">
+              <a:rPr lang="en-GB" sz="1600">
                 <a:solidFill>
                   <a:srgbClr val="2500FF"/>
                 </a:solidFill>
@@ -3823,7 +3680,7 @@
           </a:p>
           <a:p>
             <a:r>
-              <a:rPr lang="en-US" sz="1600" dirty="0">
+              <a:rPr lang="en-GB" sz="1600">
                 <a:solidFill>
                   <a:srgbClr val="000000"/>
                 </a:solidFill>
@@ -3832,7 +3689,7 @@
               <a:t>    </a:t>
             </a:r>
             <a:r>
-              <a:rPr lang="en-US" sz="1600" dirty="0">
+              <a:rPr lang="en-GB" sz="1600">
                 <a:solidFill>
                   <a:srgbClr val="0000FF"/>
                 </a:solidFill>
@@ -3841,7 +3698,7 @@
               <a:t>case</a:t>
             </a:r>
             <a:r>
-              <a:rPr lang="en-US" sz="1600" dirty="0">
+              <a:rPr lang="en-GB" sz="1600">
                 <a:solidFill>
                   <a:srgbClr val="000000"/>
                 </a:solidFill>
@@ -3850,7 +3707,7 @@
               <a:t> &lt;pattern-</a:t>
             </a:r>
             <a:r>
-              <a:rPr lang="en-US" sz="1600" dirty="0">
+              <a:rPr lang="en-GB" sz="1600">
                 <a:solidFill>
                   <a:srgbClr val="2500FF"/>
                 </a:solidFill>
@@ -3859,7 +3716,7 @@
               <a:t>2</a:t>
             </a:r>
             <a:r>
-              <a:rPr lang="en-US" sz="1600" dirty="0">
+              <a:rPr lang="en-GB" sz="1600">
                 <a:solidFill>
                   <a:srgbClr val="000000"/>
                 </a:solidFill>
@@ -3870,7 +3727,7 @@
           </a:p>
           <a:p>
             <a:r>
-              <a:rPr lang="en-US" sz="1600" dirty="0">
+              <a:rPr lang="en-GB" sz="1600">
                 <a:solidFill>
                   <a:srgbClr val="000000"/>
                 </a:solidFill>
@@ -3879,7 +3736,7 @@
               <a:t>        statements-</a:t>
             </a:r>
             <a:r>
-              <a:rPr lang="en-US" sz="1600" dirty="0">
+              <a:rPr lang="en-GB" sz="1600">
                 <a:solidFill>
                   <a:srgbClr val="2500FF"/>
                 </a:solidFill>
@@ -3890,7 +3747,7 @@
           </a:p>
           <a:p>
             <a:r>
-              <a:rPr lang="en-US" sz="1600" dirty="0">
+              <a:rPr lang="en-GB" sz="1600">
                 <a:solidFill>
                   <a:srgbClr val="2500FF"/>
                 </a:solidFill>
@@ -3899,7 +3756,7 @@
               <a:t>    </a:t>
             </a:r>
             <a:r>
-              <a:rPr lang="en-US" sz="1600" dirty="0">
+              <a:rPr lang="en-GB" sz="1600">
                 <a:solidFill>
                   <a:srgbClr val="000000"/>
                 </a:solidFill>
@@ -3910,7 +3767,7 @@
           </a:p>
           <a:p>
             <a:r>
-              <a:rPr lang="en-US" sz="1600" dirty="0">
+              <a:rPr lang="en-GB" sz="1600">
                 <a:solidFill>
                   <a:srgbClr val="0000FF"/>
                 </a:solidFill>
@@ -3918,7 +3775,7 @@
               </a:rPr>
               <a:t>end</a:t>
             </a:r>
-            <a:endParaRPr lang="en-US" sz="1600" dirty="0"/>
+            <a:endParaRPr lang="en-GB" sz="1600"/>
           </a:p>
         </p:txBody>
       </p:sp>
@@ -3936,7 +3793,7 @@
         </p:nvSpPr>
         <p:spPr>
           <a:xfrm>
-            <a:off x="9285549" y="3913284"/>
+            <a:off x="9285549" y="3913282"/>
             <a:ext cx="2653290" cy="2246769"/>
           </a:xfrm>
           <a:prstGeom prst="rect">
@@ -3951,13 +3808,13 @@
           <a:lstStyle/>
           <a:p>
             <a:r>
-              <a:rPr lang="tr-TR" sz="2800" b="1" dirty="0"/>
+              <a:rPr lang="en-GB" sz="2800" b="1"/>
               <a:t>ESM-Tools</a:t>
             </a:r>
           </a:p>
           <a:p>
             <a:r>
-              <a:rPr lang="en-US" sz="1600" dirty="0">
+              <a:rPr lang="en-GB" sz="1600">
                 <a:solidFill>
                   <a:srgbClr val="0E6E35"/>
                 </a:solidFill>
@@ -3966,7 +3823,7 @@
               <a:t>choose_&lt;selector&gt;</a:t>
             </a:r>
             <a:r>
-              <a:rPr lang="en-US" sz="1600" dirty="0">
+              <a:rPr lang="en-GB" sz="1600">
                 <a:solidFill>
                   <a:srgbClr val="000000"/>
                 </a:solidFill>
@@ -3977,7 +3834,7 @@
           </a:p>
           <a:p>
             <a:r>
-              <a:rPr lang="en-US" sz="1600" dirty="0">
+              <a:rPr lang="en-GB" sz="1600">
                 <a:solidFill>
                   <a:srgbClr val="0E6E35"/>
                 </a:solidFill>
@@ -3986,7 +3843,7 @@
               <a:t>    &lt;case-1&gt;</a:t>
             </a:r>
             <a:r>
-              <a:rPr lang="en-US" sz="1600" b="1" dirty="0">
+              <a:rPr lang="en-GB" sz="1600" b="1">
                 <a:solidFill>
                   <a:srgbClr val="921A20"/>
                 </a:solidFill>
@@ -3997,7 +3854,7 @@
           </a:p>
           <a:p>
             <a:r>
-              <a:rPr lang="en-US" sz="1600" dirty="0">
+              <a:rPr lang="en-GB" sz="1600">
                 <a:solidFill>
                   <a:srgbClr val="000000"/>
                 </a:solidFill>
@@ -4008,7 +3865,7 @@
           </a:p>
           <a:p>
             <a:r>
-              <a:rPr lang="en-US" sz="1600" dirty="0">
+              <a:rPr lang="en-GB" sz="1600">
                 <a:solidFill>
                   <a:srgbClr val="0E6E35"/>
                 </a:solidFill>
@@ -4017,7 +3874,7 @@
               <a:t>    &lt;case-2&gt;</a:t>
             </a:r>
             <a:r>
-              <a:rPr lang="en-US" sz="1600" b="1" dirty="0">
+              <a:rPr lang="en-GB" sz="1600" b="1">
                 <a:solidFill>
                   <a:srgbClr val="921A20"/>
                 </a:solidFill>
@@ -4028,7 +3885,7 @@
           </a:p>
           <a:p>
             <a:r>
-              <a:rPr lang="en-US" sz="1600" dirty="0">
+              <a:rPr lang="en-GB" sz="1600">
                 <a:solidFill>
                   <a:srgbClr val="000000"/>
                 </a:solidFill>
@@ -4039,7 +3896,7 @@
           </a:p>
           <a:p>
             <a:r>
-              <a:rPr lang="en-US" sz="1600" dirty="0">
+              <a:rPr lang="en-GB" sz="1600">
                 <a:solidFill>
                   <a:srgbClr val="000000"/>
                 </a:solidFill>
@@ -4047,10 +3904,10 @@
               </a:rPr>
               <a:t>    …</a:t>
             </a:r>
-            <a:endParaRPr lang="en-US" sz="1600" dirty="0"/>
-          </a:p>
-          <a:p>
-            <a:endParaRPr lang="en-US" sz="1600" dirty="0"/>
+            <a:endParaRPr lang="en-GB" sz="1600"/>
+          </a:p>
+          <a:p>
+            <a:endParaRPr lang="en-GB" sz="1600"/>
           </a:p>
         </p:txBody>
       </p:sp>
@@ -4068,7 +3925,7 @@
         </p:nvSpPr>
         <p:spPr>
           <a:xfrm>
-            <a:off x="3540688" y="3913284"/>
+            <a:off x="3540688" y="3913282"/>
             <a:ext cx="2776722" cy="2739211"/>
           </a:xfrm>
           <a:prstGeom prst="rect">
@@ -4083,14 +3940,13 @@
           <a:lstStyle/>
           <a:p>
             <a:r>
-              <a:rPr lang="tr-TR" sz="2800" b="1" dirty="0" err="1"/>
+              <a:rPr lang="en-GB" sz="2800" b="1"/>
               <a:t>Bash</a:t>
             </a:r>
-            <a:endParaRPr lang="tr-TR" sz="2800" b="1" dirty="0"/>
-          </a:p>
-          <a:p>
-            <a:r>
-              <a:rPr lang="en-US" sz="1600" b="1" dirty="0">
+          </a:p>
+          <a:p>
+            <a:r>
+              <a:rPr lang="en-GB" sz="1600" b="1">
                 <a:solidFill>
                   <a:srgbClr val="000000"/>
                 </a:solidFill>
@@ -4099,7 +3955,7 @@
               <a:t>case</a:t>
             </a:r>
             <a:r>
-              <a:rPr lang="en-US" sz="1600" dirty="0">
+              <a:rPr lang="en-GB" sz="1600">
                 <a:solidFill>
                   <a:srgbClr val="000000"/>
                 </a:solidFill>
@@ -4108,7 +3964,7 @@
               <a:t> </a:t>
             </a:r>
             <a:r>
-              <a:rPr lang="en-US" sz="1600" b="1" dirty="0">
+              <a:rPr lang="en-GB" sz="1600" b="1">
                 <a:solidFill>
                   <a:srgbClr val="000000"/>
                 </a:solidFill>
@@ -4117,7 +3973,7 @@
               <a:t>&lt;</a:t>
             </a:r>
             <a:r>
-              <a:rPr lang="en-US" sz="1600" dirty="0">
+              <a:rPr lang="en-GB" sz="1600">
                 <a:solidFill>
                   <a:srgbClr val="000000"/>
                 </a:solidFill>
@@ -4126,7 +3982,7 @@
               <a:t>expression</a:t>
             </a:r>
             <a:r>
-              <a:rPr lang="en-US" sz="1600" b="1" dirty="0">
+              <a:rPr lang="en-GB" sz="1600" b="1">
                 <a:solidFill>
                   <a:srgbClr val="000000"/>
                 </a:solidFill>
@@ -4137,7 +3993,7 @@
           </a:p>
           <a:p>
             <a:r>
-              <a:rPr lang="en-US" sz="1600" dirty="0">
+              <a:rPr lang="en-GB" sz="1600">
                 <a:solidFill>
                   <a:srgbClr val="000000"/>
                 </a:solidFill>
@@ -4146,7 +4002,7 @@
               <a:t>    </a:t>
             </a:r>
             <a:r>
-              <a:rPr lang="en-US" sz="1600" b="1" dirty="0">
+              <a:rPr lang="en-GB" sz="1600" b="1">
                 <a:solidFill>
                   <a:srgbClr val="000000"/>
                 </a:solidFill>
@@ -4155,7 +4011,7 @@
               <a:t>case</a:t>
             </a:r>
             <a:r>
-              <a:rPr lang="en-US" sz="1600" dirty="0">
+              <a:rPr lang="en-GB" sz="1600">
                 <a:solidFill>
                   <a:srgbClr val="000000"/>
                 </a:solidFill>
@@ -4164,7 +4020,7 @@
               <a:t> </a:t>
             </a:r>
             <a:r>
-              <a:rPr lang="en-US" sz="1600" b="1" dirty="0">
+              <a:rPr lang="en-GB" sz="1600" b="1">
                 <a:solidFill>
                   <a:srgbClr val="000000"/>
                 </a:solidFill>
@@ -4173,7 +4029,7 @@
               <a:t>&lt;</a:t>
             </a:r>
             <a:r>
-              <a:rPr lang="en-US" sz="1600" dirty="0">
+              <a:rPr lang="en-GB" sz="1600">
                 <a:solidFill>
                   <a:srgbClr val="000000"/>
                 </a:solidFill>
@@ -4182,7 +4038,7 @@
               <a:t>pattern-1</a:t>
             </a:r>
             <a:r>
-              <a:rPr lang="en-US" sz="1600" b="1" dirty="0">
+              <a:rPr lang="en-GB" sz="1600" b="1">
                 <a:solidFill>
                   <a:srgbClr val="000000"/>
                 </a:solidFill>
@@ -4191,7 +4047,7 @@
               <a:t>&gt;</a:t>
             </a:r>
             <a:r>
-              <a:rPr lang="en-US" sz="1600" b="1" dirty="0">
+              <a:rPr lang="en-GB" sz="1600" b="1">
                 <a:solidFill>
                   <a:srgbClr val="650061"/>
                 </a:solidFill>
@@ -4202,7 +4058,7 @@
           </a:p>
           <a:p>
             <a:r>
-              <a:rPr lang="en-US" sz="1600" dirty="0">
+              <a:rPr lang="en-GB" sz="1600">
                 <a:solidFill>
                   <a:srgbClr val="000000"/>
                 </a:solidFill>
@@ -4213,7 +4069,7 @@
           </a:p>
           <a:p>
             <a:r>
-              <a:rPr lang="en-US" sz="1600" dirty="0">
+              <a:rPr lang="en-GB" sz="1600">
                 <a:solidFill>
                   <a:srgbClr val="000000"/>
                 </a:solidFill>
@@ -4222,7 +4078,7 @@
               <a:t>        </a:t>
             </a:r>
             <a:r>
-              <a:rPr lang="en-US" sz="1600" b="1" dirty="0">
+              <a:rPr lang="en-GB" sz="1600" b="1">
                 <a:solidFill>
                   <a:srgbClr val="000000"/>
                 </a:solidFill>
@@ -4233,7 +4089,7 @@
           </a:p>
           <a:p>
             <a:r>
-              <a:rPr lang="en-US" sz="1600" dirty="0">
+              <a:rPr lang="en-GB" sz="1600">
                 <a:solidFill>
                   <a:srgbClr val="000000"/>
                 </a:solidFill>
@@ -4242,7 +4098,7 @@
               <a:t>    </a:t>
             </a:r>
             <a:r>
-              <a:rPr lang="en-US" sz="1600" b="1" dirty="0">
+              <a:rPr lang="en-GB" sz="1600" b="1">
                 <a:solidFill>
                   <a:srgbClr val="000000"/>
                 </a:solidFill>
@@ -4251,7 +4107,7 @@
               <a:t>case</a:t>
             </a:r>
             <a:r>
-              <a:rPr lang="en-US" sz="1600" dirty="0">
+              <a:rPr lang="en-GB" sz="1600">
                 <a:solidFill>
                   <a:srgbClr val="000000"/>
                 </a:solidFill>
@@ -4260,7 +4116,7 @@
               <a:t> </a:t>
             </a:r>
             <a:r>
-              <a:rPr lang="en-US" sz="1600" b="1" dirty="0">
+              <a:rPr lang="en-GB" sz="1600" b="1">
                 <a:solidFill>
                   <a:srgbClr val="000000"/>
                 </a:solidFill>
@@ -4269,7 +4125,7 @@
               <a:t>&lt;</a:t>
             </a:r>
             <a:r>
-              <a:rPr lang="en-US" sz="1600" dirty="0">
+              <a:rPr lang="en-GB" sz="1600">
                 <a:solidFill>
                   <a:srgbClr val="000000"/>
                 </a:solidFill>
@@ -4278,7 +4134,7 @@
               <a:t>pattern-2</a:t>
             </a:r>
             <a:r>
-              <a:rPr lang="en-US" sz="1600" b="1" dirty="0">
+              <a:rPr lang="en-GB" sz="1600" b="1">
                 <a:solidFill>
                   <a:srgbClr val="000000"/>
                 </a:solidFill>
@@ -4287,7 +4143,7 @@
               <a:t>&gt;</a:t>
             </a:r>
             <a:r>
-              <a:rPr lang="en-US" sz="1600" b="1" dirty="0">
+              <a:rPr lang="en-GB" sz="1600" b="1">
                 <a:solidFill>
                   <a:srgbClr val="650061"/>
                 </a:solidFill>
@@ -4298,7 +4154,7 @@
           </a:p>
           <a:p>
             <a:r>
-              <a:rPr lang="en-US" sz="1600" dirty="0">
+              <a:rPr lang="en-GB" sz="1600">
                 <a:solidFill>
                   <a:srgbClr val="000000"/>
                 </a:solidFill>
@@ -4309,7 +4165,7 @@
           </a:p>
           <a:p>
             <a:r>
-              <a:rPr lang="en-US" sz="1600" dirty="0">
+              <a:rPr lang="en-GB" sz="1600">
                 <a:solidFill>
                   <a:srgbClr val="000000"/>
                 </a:solidFill>
@@ -4318,7 +4174,7 @@
               <a:t>        </a:t>
             </a:r>
             <a:r>
-              <a:rPr lang="en-US" sz="1600" b="1" dirty="0">
+              <a:rPr lang="en-GB" sz="1600" b="1">
                 <a:solidFill>
                   <a:srgbClr val="000000"/>
                 </a:solidFill>
@@ -4329,7 +4185,7 @@
           </a:p>
           <a:p>
             <a:r>
-              <a:rPr lang="en-US" sz="1600" b="1" dirty="0">
+              <a:rPr lang="en-GB" sz="1600" b="1">
                 <a:solidFill>
                   <a:srgbClr val="000000"/>
                 </a:solidFill>
@@ -4338,7 +4194,7 @@
               <a:t>        </a:t>
             </a:r>
             <a:r>
-              <a:rPr lang="en-US" sz="1600" dirty="0">
+              <a:rPr lang="en-GB" sz="1600">
                 <a:solidFill>
                   <a:srgbClr val="000000"/>
                 </a:solidFill>
@@ -4349,7 +4205,7 @@
           </a:p>
           <a:p>
             <a:r>
-              <a:rPr lang="en-US" sz="1600" b="1" dirty="0" err="1">
+              <a:rPr lang="en-GB" sz="1600" b="1">
                 <a:solidFill>
                   <a:srgbClr val="000000"/>
                 </a:solidFill>
@@ -4357,7 +4213,7 @@
               </a:rPr>
               <a:t>esac</a:t>
             </a:r>
-            <a:endParaRPr lang="en-US" sz="1600" dirty="0"/>
+            <a:endParaRPr lang="en-GB" sz="1600"/>
           </a:p>
         </p:txBody>
       </p:sp>
@@ -4485,26 +4341,17 @@
           <a:lstStyle/>
           <a:p>
             <a:r>
-              <a:rPr lang="tr-TR" sz="4800" dirty="0"/>
+              <a:rPr lang="en-GB" sz="4800"/>
               <a:t> </a:t>
             </a:r>
             <a:r>
-              <a:rPr lang="tr-TR" sz="4800" b="1" dirty="0" err="1"/>
-              <a:t>choose</a:t>
-            </a:r>
-            <a:r>
-              <a:rPr lang="tr-TR" sz="4800" b="1" dirty="0"/>
-              <a:t>_</a:t>
-            </a:r>
-            <a:r>
-              <a:rPr lang="tr-TR" sz="4800" dirty="0"/>
-              <a:t> </a:t>
-            </a:r>
-            <a:r>
-              <a:rPr lang="tr-TR" sz="4800" dirty="0" err="1"/>
-              <a:t>blocks</a:t>
-            </a:r>
-            <a:endParaRPr lang="tr-TR" sz="4800" dirty="0"/>
+              <a:rPr lang="en-GB" sz="4800" b="1"/>
+              <a:t>choose_</a:t>
+            </a:r>
+            <a:r>
+              <a:rPr lang="en-GB" sz="4800"/>
+              <a:t> blocks</a:t>
+            </a:r>
           </a:p>
         </p:txBody>
       </p:sp>
@@ -4550,7 +4397,7 @@
           <a:lstStyle/>
           <a:p>
             <a:pPr algn="ctr"/>
-            <a:endParaRPr lang="tr-TR"/>
+            <a:endParaRPr lang="en-GB"/>
           </a:p>
         </p:txBody>
       </p:sp>
@@ -4580,10 +4427,9 @@
           <a:lstStyle/>
           <a:p>
             <a:r>
-              <a:rPr lang="tr-TR" sz="2400" b="1" dirty="0" err="1"/>
+              <a:rPr lang="en-GB" sz="2400" b="1"/>
               <a:t>Use</a:t>
             </a:r>
-            <a:endParaRPr lang="tr-TR" sz="2400" b="1" dirty="0"/>
           </a:p>
           <a:p>
             <a:pPr marL="342900" indent="-342900">
@@ -4591,80 +4437,26 @@
               <a:buChar char="•"/>
             </a:pPr>
             <a:r>
-              <a:rPr lang="tr-TR" sz="2400" dirty="0"/>
-              <a:t>in </a:t>
-            </a:r>
-            <a:r>
-              <a:rPr lang="tr-TR" sz="2400" dirty="0" err="1"/>
-              <a:t>any</a:t>
-            </a:r>
-            <a:r>
-              <a:rPr lang="tr-TR" sz="2400" dirty="0"/>
-              <a:t> </a:t>
-            </a:r>
-            <a:r>
-              <a:rPr lang="tr-TR" sz="2400" dirty="0" err="1"/>
-              <a:t>yaml</a:t>
-            </a:r>
-            <a:r>
-              <a:rPr lang="tr-TR" sz="2400" dirty="0"/>
-              <a:t> file, but </a:t>
-            </a:r>
-            <a:r>
-              <a:rPr lang="tr-TR" sz="2400" dirty="0" err="1"/>
-              <a:t>normally</a:t>
-            </a:r>
-            <a:r>
-              <a:rPr lang="tr-TR" sz="2400" dirty="0"/>
-              <a:t> in </a:t>
-            </a:r>
-            <a:r>
-              <a:rPr lang="tr-TR" sz="2400" dirty="0" err="1"/>
-              <a:t>the</a:t>
-            </a:r>
-            <a:r>
-              <a:rPr lang="tr-TR" sz="2400" dirty="0"/>
-              <a:t> </a:t>
-            </a:r>
-            <a:r>
-              <a:rPr lang="tr-TR" sz="2400" dirty="0" err="1">
+              <a:rPr lang="en-GB" sz="2400"/>
+              <a:t>in any yaml file, but normally in the </a:t>
+            </a:r>
+            <a:r>
+              <a:rPr lang="en-GB" sz="2400">
                 <a:solidFill>
                   <a:srgbClr val="ED7D31"/>
                 </a:solidFill>
               </a:rPr>
-              <a:t>configuration</a:t>
-            </a:r>
-            <a:r>
-              <a:rPr lang="tr-TR" sz="2400" dirty="0">
-                <a:solidFill>
-                  <a:srgbClr val="ED7D31"/>
-                </a:solidFill>
-              </a:rPr>
-              <a:t> </a:t>
-            </a:r>
-            <a:r>
-              <a:rPr lang="tr-TR" sz="2400" dirty="0" err="1">
-                <a:solidFill>
-                  <a:srgbClr val="ED7D31"/>
-                </a:solidFill>
-              </a:rPr>
-              <a:t>files</a:t>
-            </a:r>
-            <a:endParaRPr lang="tr-TR" sz="2400" dirty="0">
-              <a:solidFill>
-                <a:srgbClr val="ED7D31"/>
-              </a:solidFill>
-            </a:endParaRPr>
-          </a:p>
-          <a:p>
-            <a:endParaRPr lang="tr-TR" sz="2400" dirty="0"/>
-          </a:p>
-          <a:p>
-            <a:r>
-              <a:rPr lang="tr-TR" sz="2400" b="1" dirty="0" err="1"/>
+              <a:t>configuration files</a:t>
+            </a:r>
+          </a:p>
+          <a:p>
+            <a:endParaRPr lang="en-GB" sz="2400"/>
+          </a:p>
+          <a:p>
+            <a:r>
+              <a:rPr lang="en-GB" sz="2400" b="1"/>
               <a:t>Purpose</a:t>
             </a:r>
-            <a:endParaRPr lang="tr-TR" sz="2400" b="1" dirty="0"/>
           </a:p>
           <a:p>
             <a:pPr marL="342900" indent="-342900">
@@ -4672,98 +4464,24 @@
               <a:buChar char="•"/>
             </a:pPr>
             <a:r>
-              <a:rPr lang="tr-TR" sz="2400" dirty="0" err="1"/>
-              <a:t>allows</a:t>
-            </a:r>
-            <a:r>
-              <a:rPr lang="tr-TR" sz="2400" dirty="0"/>
-              <a:t> </a:t>
-            </a:r>
-            <a:r>
-              <a:rPr lang="tr-TR" sz="2400" dirty="0" err="1"/>
-              <a:t>to</a:t>
-            </a:r>
-            <a:r>
-              <a:rPr lang="tr-TR" sz="2400" dirty="0"/>
-              <a:t> </a:t>
-            </a:r>
-            <a:r>
-              <a:rPr lang="tr-TR" sz="2400" dirty="0" err="1"/>
-              <a:t>control</a:t>
-            </a:r>
-            <a:r>
-              <a:rPr lang="tr-TR" sz="2400" dirty="0"/>
-              <a:t> a </a:t>
-            </a:r>
-            <a:r>
-              <a:rPr lang="tr-TR" sz="2400" dirty="0" err="1"/>
-              <a:t>full</a:t>
-            </a:r>
-            <a:r>
-              <a:rPr lang="tr-TR" sz="2400" dirty="0"/>
-              <a:t> set of </a:t>
-            </a:r>
-            <a:r>
-              <a:rPr lang="tr-TR" sz="2400" dirty="0" err="1"/>
-              <a:t>configurations</a:t>
-            </a:r>
-            <a:r>
-              <a:rPr lang="tr-TR" sz="2400" dirty="0"/>
-              <a:t> </a:t>
-            </a:r>
-            <a:r>
-              <a:rPr lang="tr-TR" sz="2400" dirty="0" err="1"/>
-              <a:t>under</a:t>
-            </a:r>
-            <a:r>
-              <a:rPr lang="tr-TR" sz="2400" dirty="0"/>
-              <a:t> </a:t>
-            </a:r>
-            <a:r>
-              <a:rPr lang="tr-TR" sz="2400" dirty="0" err="1"/>
-              <a:t>one</a:t>
-            </a:r>
-            <a:r>
-              <a:rPr lang="tr-TR" sz="2400" dirty="0"/>
-              <a:t> </a:t>
-            </a:r>
-            <a:r>
-              <a:rPr lang="tr-TR" sz="2400" dirty="0" err="1"/>
-              <a:t>single</a:t>
-            </a:r>
-            <a:r>
-              <a:rPr lang="tr-TR" sz="2400" dirty="0"/>
-              <a:t> </a:t>
-            </a:r>
-            <a:r>
-              <a:rPr lang="tr-TR" sz="2400" dirty="0" err="1"/>
-              <a:t>selector</a:t>
-            </a:r>
-            <a:r>
-              <a:rPr lang="tr-TR" sz="2400" dirty="0"/>
-              <a:t> </a:t>
-            </a:r>
-            <a:r>
-              <a:rPr lang="tr-TR" sz="2400" dirty="0" err="1"/>
-              <a:t>variable</a:t>
-            </a:r>
-            <a:endParaRPr lang="tr-TR" sz="2400" dirty="0"/>
-          </a:p>
-          <a:p>
-            <a:endParaRPr lang="tr-TR" sz="2400" dirty="0"/>
-          </a:p>
-          <a:p>
-            <a:r>
-              <a:rPr lang="tr-TR" sz="2400" b="1" dirty="0" err="1"/>
+              <a:rPr lang="en-GB" sz="2400"/>
+              <a:t>allows to control a full set of configurations under one single selector variable</a:t>
+            </a:r>
+          </a:p>
+          <a:p>
+            <a:endParaRPr lang="en-GB" sz="2400"/>
+          </a:p>
+          <a:p>
+            <a:r>
+              <a:rPr lang="en-GB" sz="2400" b="1"/>
               <a:t>Example</a:t>
             </a:r>
-            <a:endParaRPr lang="tr-TR" sz="2400" b="1" dirty="0"/>
-          </a:p>
-          <a:p>
-            <a:endParaRPr lang="tr-TR" sz="2400" b="1" dirty="0"/>
-          </a:p>
-          <a:p>
-            <a:endParaRPr lang="tr-TR" sz="2400" dirty="0"/>
+          </a:p>
+          <a:p>
+            <a:endParaRPr lang="en-GB" sz="2400" b="1"/>
+          </a:p>
+          <a:p>
+            <a:endParaRPr lang="en-GB" sz="2400"/>
           </a:p>
         </p:txBody>
       </p:sp>
@@ -4815,7 +4533,7 @@
           <a:lstStyle/>
           <a:p>
             <a:pPr algn="ctr"/>
-            <a:endParaRPr lang="tr-TR"/>
+            <a:endParaRPr lang="en-GB"/>
           </a:p>
         </p:txBody>
       </p:sp>
@@ -4867,7 +4585,7 @@
           <a:lstStyle/>
           <a:p>
             <a:pPr algn="ctr"/>
-            <a:endParaRPr lang="tr-TR"/>
+            <a:endParaRPr lang="en-GB"/>
           </a:p>
         </p:txBody>
       </p:sp>
@@ -4906,13 +4624,13 @@
           <a:lstStyle/>
           <a:p>
             <a:r>
-              <a:rPr lang="tr-TR" sz="2000" b="1" dirty="0"/>
+              <a:rPr lang="en-GB" sz="2000" b="1"/>
               <a:t>fesom-2.1.yaml</a:t>
             </a:r>
           </a:p>
           <a:p>
             <a:r>
-              <a:rPr lang="en-US" sz="1200" dirty="0" err="1">
+              <a:rPr lang="en-GB" sz="1200">
                 <a:solidFill>
                   <a:srgbClr val="0E6E35"/>
                 </a:solidFill>
@@ -4921,7 +4639,7 @@
               <a:t>choose_icb_code</a:t>
             </a:r>
             <a:r>
-              <a:rPr lang="en-US" sz="1200" dirty="0">
+              <a:rPr lang="en-GB" sz="1200">
                 <a:solidFill>
                   <a:srgbClr val="000000"/>
                 </a:solidFill>
@@ -4932,7 +4650,7 @@
           </a:p>
           <a:p>
             <a:r>
-              <a:rPr lang="en-US" sz="1200" dirty="0">
+              <a:rPr lang="en-GB" sz="1200">
                 <a:solidFill>
                   <a:srgbClr val="0E6E35"/>
                 </a:solidFill>
@@ -4941,7 +4659,7 @@
               <a:t>    True</a:t>
             </a:r>
             <a:r>
-              <a:rPr lang="en-US" sz="1200" dirty="0">
+              <a:rPr lang="en-GB" sz="1200">
                 <a:solidFill>
                   <a:srgbClr val="000000"/>
                 </a:solidFill>
@@ -4952,25 +4670,36 @@
           </a:p>
           <a:p>
             <a:r>
-              <a:rPr lang="en-US" sz="1200" dirty="0">
+              <a:rPr lang="en-GB" sz="1200">
                 <a:solidFill>
                   <a:srgbClr val="0E6E35"/>
                 </a:solidFill>
                 <a:latin typeface="Courier" pitchFamily="2" charset="0"/>
               </a:rPr>
-              <a:t>        </a:t>
-            </a:r>
-            <a:r>
-              <a:rPr lang="en-US" sz="1200" dirty="0" err="1">
+              <a:t>        add_namelist_changes</a:t>
+            </a:r>
+            <a:r>
+              <a:rPr lang="en-GB" sz="1200">
+                <a:solidFill>
+                  <a:srgbClr val="000000"/>
+                </a:solidFill>
+                <a:latin typeface="Courier" pitchFamily="2" charset="0"/>
+              </a:rPr>
+              <a:t>:</a:t>
+            </a:r>
+          </a:p>
+          <a:p>
+            <a:r>
+              <a:rPr lang="en-GB" sz="1200">
                 <a:solidFill>
                   <a:srgbClr val="0E6E35"/>
                 </a:solidFill>
                 <a:latin typeface="Courier" pitchFamily="2" charset="0"/>
               </a:rPr>
-              <a:t>add_namelist_changes</a:t>
-            </a:r>
-            <a:r>
-              <a:rPr lang="en-US" sz="1200" dirty="0">
+              <a:t>            namelist.config</a:t>
+            </a:r>
+            <a:r>
+              <a:rPr lang="en-GB" sz="1200">
                 <a:solidFill>
                   <a:srgbClr val="000000"/>
                 </a:solidFill>
@@ -4981,25 +4710,16 @@
           </a:p>
           <a:p>
             <a:r>
-              <a:rPr lang="en-US" sz="1200" dirty="0">
+              <a:rPr lang="en-GB" sz="1200">
                 <a:solidFill>
                   <a:srgbClr val="0E6E35"/>
                 </a:solidFill>
                 <a:latin typeface="Courier" pitchFamily="2" charset="0"/>
               </a:rPr>
-              <a:t>            </a:t>
-            </a:r>
-            <a:r>
-              <a:rPr lang="en-US" sz="1200" dirty="0" err="1">
-                <a:solidFill>
-                  <a:srgbClr val="0E6E35"/>
-                </a:solidFill>
-                <a:latin typeface="Courier" pitchFamily="2" charset="0"/>
-              </a:rPr>
-              <a:t>namelist.config</a:t>
-            </a:r>
-            <a:r>
-              <a:rPr lang="en-US" sz="1200" dirty="0">
+              <a:t>                icebergs</a:t>
+            </a:r>
+            <a:r>
+              <a:rPr lang="en-GB" sz="1200">
                 <a:solidFill>
                   <a:srgbClr val="000000"/>
                 </a:solidFill>
@@ -5010,45 +4730,45 @@
           </a:p>
           <a:p>
             <a:r>
-              <a:rPr lang="en-US" sz="1200" dirty="0">
-                <a:solidFill>
-                  <a:srgbClr val="0E6E35"/>
-                </a:solidFill>
-                <a:latin typeface="Courier" pitchFamily="2" charset="0"/>
-              </a:rPr>
-              <a:t>                icebergs</a:t>
-            </a:r>
-            <a:r>
-              <a:rPr lang="en-US" sz="1200" dirty="0">
-                <a:solidFill>
-                  <a:srgbClr val="000000"/>
-                </a:solidFill>
-                <a:latin typeface="Courier" pitchFamily="2" charset="0"/>
-              </a:rPr>
-              <a:t>:</a:t>
-            </a:r>
-          </a:p>
-          <a:p>
-            <a:r>
-              <a:rPr lang="en-US" sz="1200" dirty="0">
+              <a:rPr lang="en-GB" sz="1200">
                 <a:solidFill>
                   <a:srgbClr val="0F7001"/>
                 </a:solidFill>
                 <a:latin typeface="Courier" pitchFamily="2" charset="0"/>
               </a:rPr>
-              <a:t>                    </a:t>
-            </a:r>
-            <a:r>
-              <a:rPr lang="en-US" sz="1200" dirty="0" err="1">
+              <a:t>                    use_icebergs</a:t>
+            </a:r>
+            <a:r>
+              <a:rPr lang="en-GB" sz="1200" b="1">
+                <a:solidFill>
+                  <a:srgbClr val="921A20"/>
+                </a:solidFill>
+                <a:latin typeface="Courier-Bold" pitchFamily="2" charset="0"/>
+              </a:rPr>
+              <a:t>: </a:t>
+            </a:r>
+            <a:r>
+              <a:rPr lang="en-GB" sz="1200">
+                <a:solidFill>
+                  <a:srgbClr val="C100C4"/>
+                </a:solidFill>
+                <a:latin typeface="Courier" pitchFamily="2" charset="0"/>
+              </a:rPr>
+              <a:t>"${use_icebergs}”</a:t>
+            </a:r>
+          </a:p>
+          <a:p>
+            <a:r>
+              <a:rPr lang="en-GB" sz="1200">
                 <a:solidFill>
                   <a:srgbClr val="0F7001"/>
                 </a:solidFill>
                 <a:latin typeface="Courier" pitchFamily="2" charset="0"/>
               </a:rPr>
-              <a:t>use_icebergs</a:t>
-            </a:r>
-            <a:r>
-              <a:rPr lang="en-US" sz="1200" b="1" dirty="0">
+              <a:t>                    use_icesheet_coupling</a:t>
+            </a:r>
+            <a:r>
+              <a:rPr lang="en-GB" sz="1200" b="1">
                 <a:solidFill>
                   <a:srgbClr val="921A20"/>
                 </a:solidFill>
@@ -5057,54 +4777,27 @@
               <a:t>: </a:t>
             </a:r>
             <a:r>
-              <a:rPr lang="en-US" sz="1200" dirty="0">
+              <a:rPr lang="en-GB" sz="1200">
                 <a:solidFill>
                   <a:srgbClr val="C100C4"/>
                 </a:solidFill>
                 <a:latin typeface="Courier" pitchFamily="2" charset="0"/>
               </a:rPr>
-              <a:t>"${</a:t>
-            </a:r>
-            <a:r>
-              <a:rPr lang="en-US" sz="1200" dirty="0" err="1">
-                <a:solidFill>
-                  <a:srgbClr val="C100C4"/>
-                </a:solidFill>
-                <a:latin typeface="Courier" pitchFamily="2" charset="0"/>
-              </a:rPr>
-              <a:t>use_icebergs</a:t>
-            </a:r>
-            <a:r>
-              <a:rPr lang="en-US" sz="1200" dirty="0">
-                <a:solidFill>
-                  <a:srgbClr val="C100C4"/>
-                </a:solidFill>
-                <a:latin typeface="Courier" pitchFamily="2" charset="0"/>
-              </a:rPr>
-              <a:t>}”</a:t>
-            </a:r>
-          </a:p>
-          <a:p>
-            <a:r>
-              <a:rPr lang="en-US" sz="1200" dirty="0">
+              <a:t>"${use_icesheet_coupling}”</a:t>
+            </a:r>
+          </a:p>
+          <a:p>
+            <a:r>
+              <a:rPr lang="en-GB" sz="1200">
                 <a:solidFill>
                   <a:srgbClr val="0F7001"/>
                 </a:solidFill>
                 <a:latin typeface="Courier" pitchFamily="2" charset="0"/>
               </a:rPr>
-              <a:t>                    </a:t>
-            </a:r>
-            <a:r>
-              <a:rPr lang="en-US" sz="1200" dirty="0" err="1">
-                <a:solidFill>
-                  <a:srgbClr val="0F7001"/>
-                </a:solidFill>
-                <a:latin typeface="Courier" pitchFamily="2" charset="0"/>
-              </a:rPr>
-              <a:t>use_icesheet_coupling</a:t>
-            </a:r>
-            <a:r>
-              <a:rPr lang="en-US" sz="1200" b="1" dirty="0">
+              <a:t>                    steps_per_ib_step</a:t>
+            </a:r>
+            <a:r>
+              <a:rPr lang="en-GB" sz="1200" b="1">
                 <a:solidFill>
                   <a:srgbClr val="921A20"/>
                 </a:solidFill>
@@ -5113,63 +4806,7 @@
               <a:t>: </a:t>
             </a:r>
             <a:r>
-              <a:rPr lang="en-US" sz="1200" dirty="0">
-                <a:solidFill>
-                  <a:srgbClr val="C100C4"/>
-                </a:solidFill>
-                <a:latin typeface="Courier" pitchFamily="2" charset="0"/>
-              </a:rPr>
-              <a:t>"${</a:t>
-            </a:r>
-            <a:r>
-              <a:rPr lang="en-US" sz="1200" dirty="0" err="1">
-                <a:solidFill>
-                  <a:srgbClr val="C100C4"/>
-                </a:solidFill>
-                <a:latin typeface="Courier" pitchFamily="2" charset="0"/>
-              </a:rPr>
-              <a:t>use_icesheet_coupling</a:t>
-            </a:r>
-            <a:r>
-              <a:rPr lang="en-US" sz="1200" dirty="0">
-                <a:solidFill>
-                  <a:srgbClr val="C100C4"/>
-                </a:solidFill>
-                <a:latin typeface="Courier" pitchFamily="2" charset="0"/>
-              </a:rPr>
-              <a:t>}”</a:t>
-            </a:r>
-          </a:p>
-          <a:p>
-            <a:r>
-              <a:rPr lang="en-US" sz="1200" dirty="0">
-                <a:solidFill>
-                  <a:srgbClr val="0F7001"/>
-                </a:solidFill>
-                <a:latin typeface="Courier" pitchFamily="2" charset="0"/>
-              </a:rPr>
-              <a:t>                    </a:t>
-            </a:r>
-            <a:r>
-              <a:rPr lang="en-US" sz="1200" dirty="0" err="1">
-                <a:solidFill>
-                  <a:srgbClr val="0F7001"/>
-                </a:solidFill>
-                <a:latin typeface="Courier" pitchFamily="2" charset="0"/>
-              </a:rPr>
-              <a:t>steps_per_ib_step</a:t>
-            </a:r>
-            <a:r>
-              <a:rPr lang="en-US" sz="1200" b="1" dirty="0">
-                <a:solidFill>
-                  <a:srgbClr val="921A20"/>
-                </a:solidFill>
-                <a:latin typeface="Courier-Bold" pitchFamily="2" charset="0"/>
-              </a:rPr>
-              <a:t>: </a:t>
-            </a:r>
-            <a:r>
-              <a:rPr lang="en-US" sz="1200" dirty="0">
+              <a:rPr lang="en-GB" sz="1200">
                 <a:solidFill>
                   <a:srgbClr val="000000"/>
                 </a:solidFill>
@@ -5177,10 +4814,10 @@
               </a:rPr>
               <a:t>8</a:t>
             </a:r>
-            <a:endParaRPr lang="en-US" sz="1200" dirty="0"/>
-          </a:p>
-          <a:p>
-            <a:endParaRPr lang="en-US" sz="1200" dirty="0"/>
+            <a:endParaRPr lang="en-GB" sz="1200"/>
+          </a:p>
+          <a:p>
+            <a:endParaRPr lang="en-GB" sz="1200"/>
           </a:p>
         </p:txBody>
       </p:sp>
@@ -5219,14 +4856,13 @@
           <a:lstStyle/>
           <a:p>
             <a:r>
-              <a:rPr lang="tr-TR" sz="2000" b="1" dirty="0" err="1"/>
+              <a:rPr lang="en-GB" sz="2000" b="1"/>
               <a:t>your_runscript.yaml</a:t>
             </a:r>
-            <a:endParaRPr lang="tr-TR" sz="2000" b="1" dirty="0"/>
-          </a:p>
-          <a:p>
-            <a:r>
-              <a:rPr lang="en-US" sz="1200" dirty="0" err="1">
+          </a:p>
+          <a:p>
+            <a:r>
+              <a:rPr lang="en-GB" sz="1200">
                 <a:solidFill>
                   <a:srgbClr val="0E6E35"/>
                 </a:solidFill>
@@ -5235,7 +4871,7 @@
               <a:t>fesom</a:t>
             </a:r>
             <a:r>
-              <a:rPr lang="en-US" sz="1200" dirty="0">
+              <a:rPr lang="en-GB" sz="1200">
                 <a:solidFill>
                   <a:srgbClr val="000000"/>
                 </a:solidFill>
@@ -5246,25 +4882,16 @@
           </a:p>
           <a:p>
             <a:r>
-              <a:rPr lang="en-US" sz="1200" dirty="0">
+              <a:rPr lang="en-GB" sz="1200">
                 <a:solidFill>
                   <a:srgbClr val="0E6E35"/>
                 </a:solidFill>
                 <a:latin typeface="Courier" pitchFamily="2" charset="0"/>
               </a:rPr>
-              <a:t>    </a:t>
-            </a:r>
-            <a:r>
-              <a:rPr lang="en-US" sz="1200" dirty="0" err="1">
-                <a:solidFill>
-                  <a:srgbClr val="0E6E35"/>
-                </a:solidFill>
-                <a:latin typeface="Courier" pitchFamily="2" charset="0"/>
-              </a:rPr>
-              <a:t>icb_code</a:t>
-            </a:r>
-            <a:r>
-              <a:rPr lang="en-US" sz="1200" dirty="0">
+              <a:t>    icb_code</a:t>
+            </a:r>
+            <a:r>
+              <a:rPr lang="en-GB" sz="1200">
                 <a:solidFill>
                   <a:srgbClr val="000000"/>
                 </a:solidFill>
@@ -5272,7 +4899,7 @@
               </a:rPr>
               <a:t>: True</a:t>
             </a:r>
-            <a:endParaRPr lang="en-US" sz="1200" dirty="0"/>
+            <a:endParaRPr lang="en-GB" sz="1200"/>
           </a:p>
         </p:txBody>
       </p:sp>
@@ -5348,26 +4975,17 @@
           <a:lstStyle/>
           <a:p>
             <a:r>
-              <a:rPr lang="tr-TR" sz="4800" dirty="0"/>
+              <a:rPr lang="en-GB" sz="4800" dirty="0"/>
               <a:t> </a:t>
             </a:r>
             <a:r>
-              <a:rPr lang="tr-TR" sz="4800" b="1" dirty="0" err="1"/>
-              <a:t>choose</a:t>
-            </a:r>
-            <a:r>
-              <a:rPr lang="tr-TR" sz="4800" b="1" dirty="0"/>
-              <a:t>_</a:t>
-            </a:r>
-            <a:r>
-              <a:rPr lang="tr-TR" sz="4800" dirty="0"/>
-              <a:t> </a:t>
-            </a:r>
-            <a:r>
-              <a:rPr lang="tr-TR" sz="4800" dirty="0" err="1"/>
-              <a:t>blocks</a:t>
-            </a:r>
-            <a:endParaRPr lang="tr-TR" sz="4800" dirty="0"/>
+              <a:rPr lang="en-GB" sz="4800" b="1" dirty="0"/>
+              <a:t>choose_</a:t>
+            </a:r>
+            <a:r>
+              <a:rPr lang="en-GB" sz="4800" dirty="0"/>
+              <a:t> blocks</a:t>
+            </a:r>
           </a:p>
         </p:txBody>
       </p:sp>
@@ -5413,7 +5031,7 @@
           <a:lstStyle/>
           <a:p>
             <a:pPr algn="ctr"/>
-            <a:endParaRPr lang="tr-TR"/>
+            <a:endParaRPr lang="en-GB" dirty="0"/>
           </a:p>
         </p:txBody>
       </p:sp>
@@ -5443,37 +5061,27 @@
           <a:lstStyle/>
           <a:p>
             <a:r>
-              <a:rPr lang="tr-TR" sz="2400" b="1" dirty="0" err="1"/>
+              <a:rPr lang="en-GB" sz="2400" b="1" dirty="0"/>
               <a:t>Syntax</a:t>
             </a:r>
-            <a:endParaRPr lang="tr-TR" sz="2400" b="1" dirty="0"/>
-          </a:p>
-          <a:p>
-            <a:endParaRPr lang="tr-TR" sz="2400" b="1" dirty="0"/>
-          </a:p>
-          <a:p>
-            <a:endParaRPr lang="tr-TR" sz="2400" b="1" dirty="0"/>
-          </a:p>
-          <a:p>
-            <a:endParaRPr lang="tr-TR" sz="2400" b="1" dirty="0"/>
-          </a:p>
-          <a:p>
-            <a:endParaRPr lang="tr-TR" sz="2400" b="1" dirty="0"/>
-          </a:p>
-          <a:p>
-            <a:r>
-              <a:rPr lang="tr-TR" sz="2400" b="1" dirty="0" err="1"/>
-              <a:t>Advance</a:t>
-            </a:r>
-            <a:r>
-              <a:rPr lang="tr-TR" sz="2400" b="1" dirty="0"/>
-              <a:t> </a:t>
-            </a:r>
-            <a:r>
-              <a:rPr lang="tr-TR" sz="2400" b="1" dirty="0" err="1"/>
-              <a:t>syntax</a:t>
-            </a:r>
-            <a:endParaRPr lang="tr-TR" sz="2400" b="1" dirty="0"/>
+          </a:p>
+          <a:p>
+            <a:endParaRPr lang="en-GB" sz="2400" b="1" dirty="0"/>
+          </a:p>
+          <a:p>
+            <a:endParaRPr lang="en-GB" sz="2400" b="1" dirty="0"/>
+          </a:p>
+          <a:p>
+            <a:endParaRPr lang="en-GB" sz="2400" b="1" dirty="0"/>
+          </a:p>
+          <a:p>
+            <a:endParaRPr lang="en-GB" sz="2400" b="1" dirty="0"/>
+          </a:p>
+          <a:p>
+            <a:r>
+              <a:rPr lang="en-GB" sz="2400" b="1" dirty="0"/>
+              <a:t>Advance syntax</a:t>
+            </a:r>
           </a:p>
           <a:p>
             <a:pPr marL="342900" indent="-342900">
@@ -5481,76 +5089,19 @@
               <a:buChar char="•"/>
             </a:pPr>
             <a:r>
-              <a:rPr lang="tr-TR" sz="2400" dirty="0" err="1"/>
-              <a:t>Allows</a:t>
-            </a:r>
-            <a:r>
-              <a:rPr lang="tr-TR" sz="2400" dirty="0"/>
-              <a:t> </a:t>
-            </a:r>
-            <a:r>
-              <a:rPr lang="tr-TR" sz="2400" dirty="0" err="1"/>
-              <a:t>for</a:t>
-            </a:r>
-            <a:r>
-              <a:rPr lang="tr-TR" sz="2400" dirty="0"/>
-              <a:t> </a:t>
-            </a:r>
-            <a:r>
-              <a:rPr lang="tr-TR" sz="2400" dirty="0" err="1"/>
-              <a:t>selecting</a:t>
-            </a:r>
-            <a:r>
-              <a:rPr lang="tr-TR" sz="2400" dirty="0"/>
-              <a:t> a </a:t>
-            </a:r>
-            <a:r>
-              <a:rPr lang="tr-TR" sz="2400" dirty="0" err="1"/>
-              <a:t>case</a:t>
-            </a:r>
-            <a:r>
-              <a:rPr lang="tr-TR" sz="2400" dirty="0"/>
-              <a:t> </a:t>
-            </a:r>
-            <a:r>
-              <a:rPr lang="tr-TR" sz="2400" dirty="0" err="1"/>
-              <a:t>based</a:t>
-            </a:r>
-            <a:r>
-              <a:rPr lang="tr-TR" sz="2400" dirty="0"/>
-              <a:t> on </a:t>
-            </a:r>
-            <a:r>
-              <a:rPr lang="tr-TR" sz="2400" dirty="0" err="1"/>
-              <a:t>variables</a:t>
-            </a:r>
-            <a:r>
-              <a:rPr lang="tr-TR" sz="2400" dirty="0"/>
-              <a:t> in a </a:t>
-            </a:r>
-            <a:r>
-              <a:rPr lang="tr-TR" sz="2400" dirty="0" err="1"/>
-              <a:t>different</a:t>
-            </a:r>
-            <a:r>
-              <a:rPr lang="tr-TR" sz="2400" dirty="0"/>
-              <a:t> </a:t>
-            </a:r>
-            <a:r>
-              <a:rPr lang="tr-TR" sz="2400" dirty="0" err="1"/>
-              <a:t>section</a:t>
-            </a:r>
-            <a:endParaRPr lang="tr-TR" sz="2400" dirty="0"/>
+              <a:rPr lang="en-GB" sz="2400" dirty="0"/>
+              <a:t>Allows for selecting a case based on variables in a different section</a:t>
+            </a:r>
           </a:p>
           <a:p>
             <a:pPr marL="342900" indent="-342900">
               <a:buFont typeface="Arial" panose="020B0604020202020204" pitchFamily="34" charset="0"/>
               <a:buChar char="•"/>
             </a:pPr>
-            <a:endParaRPr lang="tr-TR" sz="2400" dirty="0"/>
-          </a:p>
-          <a:p>
-            <a:endParaRPr lang="tr-TR" sz="2400" dirty="0"/>
+            <a:endParaRPr lang="en-GB" sz="2400" dirty="0"/>
+          </a:p>
+          <a:p>
+            <a:endParaRPr lang="en-GB" sz="2400" dirty="0"/>
           </a:p>
           <a:p>
             <a:pPr marL="342900" indent="-342900">
@@ -5558,77 +5109,12 @@
               <a:buChar char="•"/>
             </a:pPr>
             <a:r>
-              <a:rPr lang="tr-TR" sz="2400" dirty="0" err="1"/>
-              <a:t>Allows</a:t>
-            </a:r>
-            <a:r>
-              <a:rPr lang="tr-TR" sz="2400" dirty="0"/>
-              <a:t> </a:t>
-            </a:r>
-            <a:r>
-              <a:rPr lang="tr-TR" sz="2400" dirty="0" err="1"/>
-              <a:t>to</a:t>
-            </a:r>
-            <a:r>
-              <a:rPr lang="tr-TR" sz="2400" dirty="0"/>
-              <a:t> set an </a:t>
-            </a:r>
-            <a:r>
-              <a:rPr lang="tr-TR" sz="2400" dirty="0" err="1"/>
-              <a:t>statement</a:t>
-            </a:r>
-            <a:r>
-              <a:rPr lang="tr-TR" sz="2400" dirty="0"/>
-              <a:t> </a:t>
-            </a:r>
-            <a:r>
-              <a:rPr lang="tr-TR" sz="2400" dirty="0" err="1"/>
-              <a:t>if</a:t>
-            </a:r>
-            <a:r>
-              <a:rPr lang="tr-TR" sz="2400" dirty="0"/>
-              <a:t> </a:t>
-            </a:r>
-            <a:r>
-              <a:rPr lang="tr-TR" sz="2400" dirty="0" err="1"/>
-              <a:t>the</a:t>
-            </a:r>
-            <a:r>
-              <a:rPr lang="tr-TR" sz="2400" dirty="0"/>
-              <a:t> </a:t>
-            </a:r>
-            <a:r>
-              <a:rPr lang="tr-TR" sz="2400" dirty="0" err="1"/>
-              <a:t>value</a:t>
-            </a:r>
-            <a:r>
-              <a:rPr lang="tr-TR" sz="2400" dirty="0"/>
-              <a:t> </a:t>
-            </a:r>
-            <a:r>
-              <a:rPr lang="tr-TR" sz="2400" dirty="0" err="1"/>
-              <a:t>does</a:t>
-            </a:r>
-            <a:r>
-              <a:rPr lang="tr-TR" sz="2400" dirty="0"/>
-              <a:t> not </a:t>
-            </a:r>
-            <a:r>
-              <a:rPr lang="tr-TR" sz="2400" dirty="0" err="1"/>
-              <a:t>match</a:t>
-            </a:r>
-            <a:r>
-              <a:rPr lang="tr-TR" sz="2400" dirty="0"/>
-              <a:t> a </a:t>
-            </a:r>
-            <a:r>
-              <a:rPr lang="tr-TR" sz="2400" dirty="0" err="1"/>
-              <a:t>case</a:t>
-            </a:r>
-            <a:endParaRPr lang="tr-TR" sz="2400" dirty="0"/>
-          </a:p>
-          <a:p>
-            <a:endParaRPr lang="tr-TR" sz="2400" dirty="0"/>
+              <a:rPr lang="en-GB" sz="2400" dirty="0"/>
+              <a:t>Allows to set an statement if the value does not match a case</a:t>
+            </a:r>
+          </a:p>
+          <a:p>
+            <a:endParaRPr lang="en-GB" sz="2400" dirty="0"/>
           </a:p>
         </p:txBody>
       </p:sp>
@@ -5680,7 +5166,7 @@
           <a:lstStyle/>
           <a:p>
             <a:pPr algn="ctr"/>
-            <a:endParaRPr lang="tr-TR"/>
+            <a:endParaRPr lang="en-GB" dirty="0"/>
           </a:p>
         </p:txBody>
       </p:sp>
@@ -5718,7 +5204,7 @@
           <a:lstStyle/>
           <a:p>
             <a:r>
-              <a:rPr lang="en-US" sz="1200" dirty="0">
+              <a:rPr lang="en-GB" sz="1200" dirty="0">
                 <a:solidFill>
                   <a:srgbClr val="0E6E35"/>
                 </a:solidFill>
@@ -5727,7 +5213,7 @@
               <a:t>choose_&lt;</a:t>
             </a:r>
             <a:r>
-              <a:rPr lang="en-US" sz="1200" dirty="0" err="1">
+              <a:rPr lang="en-GB" sz="1200" dirty="0" err="1">
                 <a:solidFill>
                   <a:srgbClr val="0E6E35"/>
                 </a:solidFill>
@@ -5736,7 +5222,7 @@
               <a:t>selector_variable</a:t>
             </a:r>
             <a:r>
-              <a:rPr lang="en-US" sz="1200" dirty="0">
+              <a:rPr lang="en-GB" sz="1200" dirty="0">
                 <a:solidFill>
                   <a:srgbClr val="0E6E35"/>
                 </a:solidFill>
@@ -5745,7 +5231,7 @@
               <a:t>&gt;</a:t>
             </a:r>
             <a:r>
-              <a:rPr lang="en-US" sz="1200" dirty="0">
+              <a:rPr lang="en-GB" sz="1200" dirty="0">
                 <a:solidFill>
                   <a:srgbClr val="000000"/>
                 </a:solidFill>
@@ -5756,7 +5242,7 @@
           </a:p>
           <a:p>
             <a:r>
-              <a:rPr lang="en-US" sz="1200" dirty="0">
+              <a:rPr lang="en-GB" sz="1200" dirty="0">
                 <a:solidFill>
                   <a:srgbClr val="0E6E35"/>
                 </a:solidFill>
@@ -5765,7 +5251,7 @@
               <a:t>    &lt;case-1&gt;</a:t>
             </a:r>
             <a:r>
-              <a:rPr lang="en-US" sz="1200" b="1" dirty="0">
+              <a:rPr lang="en-GB" sz="1200" b="1" dirty="0">
                 <a:solidFill>
                   <a:srgbClr val="921A20"/>
                 </a:solidFill>
@@ -5776,7 +5262,7 @@
           </a:p>
           <a:p>
             <a:r>
-              <a:rPr lang="en-US" sz="1200" dirty="0">
+              <a:rPr lang="en-GB" sz="1200" dirty="0">
                 <a:solidFill>
                   <a:srgbClr val="000000"/>
                 </a:solidFill>
@@ -5787,7 +5273,7 @@
           </a:p>
           <a:p>
             <a:r>
-              <a:rPr lang="en-US" sz="1200" dirty="0">
+              <a:rPr lang="en-GB" sz="1200" dirty="0">
                 <a:solidFill>
                   <a:srgbClr val="0E6E35"/>
                 </a:solidFill>
@@ -5796,7 +5282,7 @@
               <a:t>    &lt;case-2&gt;</a:t>
             </a:r>
             <a:r>
-              <a:rPr lang="en-US" sz="1200" b="1" dirty="0">
+              <a:rPr lang="en-GB" sz="1200" b="1" dirty="0">
                 <a:solidFill>
                   <a:srgbClr val="921A20"/>
                 </a:solidFill>
@@ -5807,7 +5293,7 @@
           </a:p>
           <a:p>
             <a:r>
-              <a:rPr lang="en-US" sz="1200" dirty="0">
+              <a:rPr lang="en-GB" sz="1200" dirty="0">
                 <a:solidFill>
                   <a:srgbClr val="000000"/>
                 </a:solidFill>
@@ -5818,7 +5304,7 @@
           </a:p>
           <a:p>
             <a:r>
-              <a:rPr lang="en-US" sz="1200" dirty="0">
+              <a:rPr lang="en-GB" sz="1200" dirty="0">
                 <a:solidFill>
                   <a:srgbClr val="000000"/>
                 </a:solidFill>
@@ -5826,10 +5312,10 @@
               </a:rPr>
               <a:t>    …</a:t>
             </a:r>
-            <a:endParaRPr lang="en-US" sz="1200" dirty="0"/>
-          </a:p>
-          <a:p>
-            <a:endParaRPr lang="en-US" sz="1200" dirty="0"/>
+            <a:endParaRPr lang="en-GB" sz="1200" dirty="0"/>
+          </a:p>
+          <a:p>
+            <a:endParaRPr lang="en-GB" sz="1200" dirty="0"/>
           </a:p>
         </p:txBody>
       </p:sp>
@@ -5867,7 +5353,7 @@
           <a:lstStyle/>
           <a:p>
             <a:r>
-              <a:rPr lang="en-US" sz="1200" dirty="0">
+              <a:rPr lang="en-GB" sz="1200" dirty="0">
                 <a:solidFill>
                   <a:srgbClr val="0E6E35"/>
                 </a:solidFill>
@@ -5876,7 +5362,7 @@
               <a:t>choose_&lt;</a:t>
             </a:r>
             <a:r>
-              <a:rPr lang="en-US" sz="1200" dirty="0">
+              <a:rPr lang="en-GB" sz="1200" dirty="0">
                 <a:solidFill>
                   <a:srgbClr val="FFC000"/>
                 </a:solidFill>
@@ -5885,7 +5371,7 @@
               <a:t>section</a:t>
             </a:r>
             <a:r>
-              <a:rPr lang="en-US" sz="1200" dirty="0">
+              <a:rPr lang="en-GB" sz="1200" dirty="0">
                 <a:solidFill>
                   <a:srgbClr val="0E6E35"/>
                 </a:solidFill>
@@ -5894,7 +5380,7 @@
               <a:t>&gt;.&lt;</a:t>
             </a:r>
             <a:r>
-              <a:rPr lang="en-US" sz="1200" dirty="0" err="1">
+              <a:rPr lang="en-GB" sz="1200" dirty="0" err="1">
                 <a:solidFill>
                   <a:srgbClr val="FFC000"/>
                 </a:solidFill>
@@ -5903,7 +5389,7 @@
               <a:t>selector_variable</a:t>
             </a:r>
             <a:r>
-              <a:rPr lang="en-US" sz="1200" dirty="0">
+              <a:rPr lang="en-GB" sz="1200" dirty="0">
                 <a:solidFill>
                   <a:srgbClr val="0E6E35"/>
                 </a:solidFill>
@@ -5912,7 +5398,7 @@
               <a:t>&gt;</a:t>
             </a:r>
             <a:r>
-              <a:rPr lang="en-US" sz="1200" dirty="0">
+              <a:rPr lang="en-GB" sz="1200" dirty="0">
                 <a:solidFill>
                   <a:srgbClr val="000000"/>
                 </a:solidFill>
@@ -5923,7 +5409,7 @@
           </a:p>
           <a:p>
             <a:r>
-              <a:rPr lang="en-US" sz="1200" dirty="0">
+              <a:rPr lang="en-GB" sz="1200" dirty="0">
                 <a:solidFill>
                   <a:srgbClr val="0E6E35"/>
                 </a:solidFill>
@@ -5932,7 +5418,7 @@
               <a:t>    &lt;case-1&gt;</a:t>
             </a:r>
             <a:r>
-              <a:rPr lang="en-US" sz="1200" b="1" dirty="0">
+              <a:rPr lang="en-GB" sz="1200" b="1" dirty="0">
                 <a:solidFill>
                   <a:srgbClr val="921A20"/>
                 </a:solidFill>
@@ -5943,7 +5429,7 @@
           </a:p>
           <a:p>
             <a:r>
-              <a:rPr lang="en-US" sz="1200" dirty="0">
+              <a:rPr lang="en-GB" sz="1200" dirty="0">
                 <a:solidFill>
                   <a:srgbClr val="000000"/>
                 </a:solidFill>
@@ -5954,7 +5440,7 @@
           </a:p>
           <a:p>
             <a:r>
-              <a:rPr lang="en-US" sz="1200" dirty="0">
+              <a:rPr lang="en-GB" sz="1200" dirty="0">
                 <a:solidFill>
                   <a:srgbClr val="0E6E35"/>
                 </a:solidFill>
@@ -5963,7 +5449,7 @@
               <a:t>    &lt;case-2&gt;</a:t>
             </a:r>
             <a:r>
-              <a:rPr lang="en-US" sz="1200" b="1" dirty="0">
+              <a:rPr lang="en-GB" sz="1200" b="1" dirty="0">
                 <a:solidFill>
                   <a:srgbClr val="921A20"/>
                 </a:solidFill>
@@ -5974,7 +5460,7 @@
           </a:p>
           <a:p>
             <a:r>
-              <a:rPr lang="en-US" sz="1200" dirty="0">
+              <a:rPr lang="en-GB" sz="1200" dirty="0">
                 <a:solidFill>
                   <a:srgbClr val="000000"/>
                 </a:solidFill>
@@ -5985,7 +5471,7 @@
           </a:p>
           <a:p>
             <a:r>
-              <a:rPr lang="en-US" sz="1200" dirty="0">
+              <a:rPr lang="en-GB" sz="1200" dirty="0">
                 <a:solidFill>
                   <a:srgbClr val="000000"/>
                 </a:solidFill>
@@ -5994,7 +5480,7 @@
               <a:t>    “</a:t>
             </a:r>
             <a:r>
-              <a:rPr lang="en-US" sz="1200" dirty="0">
+              <a:rPr lang="en-GB" sz="1200" dirty="0">
                 <a:solidFill>
                   <a:srgbClr val="0E6E35"/>
                 </a:solidFill>
@@ -6003,7 +5489,7 @@
               <a:t>*”</a:t>
             </a:r>
             <a:r>
-              <a:rPr lang="en-US" sz="1200" b="1" dirty="0">
+              <a:rPr lang="en-GB" sz="1200" b="1" dirty="0">
                 <a:solidFill>
                   <a:srgbClr val="921A20"/>
                 </a:solidFill>
@@ -6014,11 +5500,11 @@
           </a:p>
           <a:p>
             <a:r>
-              <a:rPr lang="en-US" sz="1200" dirty="0"/>
+              <a:rPr lang="en-GB" sz="1200" dirty="0"/>
               <a:t>                    </a:t>
             </a:r>
             <a:r>
-              <a:rPr lang="en-US" sz="1200" dirty="0">
+              <a:rPr lang="en-GB" sz="1200" dirty="0">
                 <a:solidFill>
                   <a:srgbClr val="000000"/>
                 </a:solidFill>
@@ -6026,10 +5512,10 @@
               </a:rPr>
               <a:t>statements-3</a:t>
             </a:r>
-            <a:endParaRPr lang="en-US" sz="1200" dirty="0"/>
-          </a:p>
-          <a:p>
-            <a:endParaRPr lang="en-US" sz="1200" dirty="0"/>
+            <a:endParaRPr lang="en-GB" sz="1200" dirty="0"/>
+          </a:p>
+          <a:p>
+            <a:endParaRPr lang="en-GB" sz="1200" dirty="0"/>
           </a:p>
         </p:txBody>
       </p:sp>
@@ -6070,44 +5556,35 @@
           <a:lstStyle/>
           <a:p>
             <a:r>
-              <a:rPr lang="tr-TR" sz="1600" dirty="0"/>
+              <a:rPr lang="en-GB" sz="1600" dirty="0"/>
               <a:t>general</a:t>
             </a:r>
           </a:p>
           <a:p>
             <a:r>
-              <a:rPr lang="tr-TR" sz="1600" dirty="0" err="1"/>
+              <a:rPr lang="en-GB" sz="1600" dirty="0"/>
               <a:t>computer</a:t>
             </a:r>
-            <a:endParaRPr lang="tr-TR" sz="1600" dirty="0"/>
-          </a:p>
-          <a:p>
-            <a:r>
-              <a:rPr lang="tr-TR" sz="1600" dirty="0"/>
-              <a:t>&lt;model name&gt; (</a:t>
-            </a:r>
-            <a:r>
-              <a:rPr lang="tr-TR" sz="1600" dirty="0" err="1"/>
-              <a:t>i.e</a:t>
-            </a:r>
-            <a:r>
-              <a:rPr lang="tr-TR" sz="1600" dirty="0"/>
-              <a:t>. </a:t>
-            </a:r>
-            <a:r>
-              <a:rPr lang="tr-TR" sz="1600" dirty="0" err="1"/>
+          </a:p>
+          <a:p>
+            <a:r>
+              <a:rPr lang="en-GB" sz="1600" dirty="0"/>
+              <a:t>&lt;model name&gt; (i.e. </a:t>
+            </a:r>
+            <a:r>
+              <a:rPr lang="en-GB" sz="1600" dirty="0" err="1"/>
               <a:t>echam</a:t>
             </a:r>
             <a:r>
-              <a:rPr lang="tr-TR" sz="1600" dirty="0"/>
+              <a:rPr lang="en-GB" sz="1600" dirty="0"/>
               <a:t>, </a:t>
             </a:r>
             <a:r>
-              <a:rPr lang="tr-TR" sz="1600" dirty="0" err="1"/>
+              <a:rPr lang="en-GB" sz="1600" dirty="0" err="1"/>
               <a:t>fesom</a:t>
             </a:r>
             <a:r>
-              <a:rPr lang="tr-TR" sz="1600" dirty="0"/>
+              <a:rPr lang="en-GB" sz="1600" dirty="0"/>
               <a:t>, …)</a:t>
             </a:r>
           </a:p>
@@ -6192,111 +5669,11 @@
               <a:buChar char="•"/>
             </a:pPr>
             <a:r>
-              <a:rPr lang="tr-TR" sz="1600" dirty="0" err="1"/>
-              <a:t>if</a:t>
-            </a:r>
-            <a:r>
-              <a:rPr lang="tr-TR" sz="1600" dirty="0"/>
-              <a:t> </a:t>
-            </a:r>
-            <a:r>
-              <a:rPr lang="tr-TR" sz="1600" dirty="0" err="1"/>
-              <a:t>the</a:t>
-            </a:r>
-            <a:r>
-              <a:rPr lang="tr-TR" sz="1600" dirty="0"/>
-              <a:t> </a:t>
-            </a:r>
-            <a:r>
-              <a:rPr lang="tr-TR" sz="1600" dirty="0" err="1"/>
-              <a:t>selector</a:t>
-            </a:r>
-            <a:r>
-              <a:rPr lang="tr-TR" sz="1600" dirty="0"/>
-              <a:t> </a:t>
-            </a:r>
-            <a:r>
-              <a:rPr lang="tr-TR" sz="1600" dirty="0" err="1"/>
-              <a:t>variable</a:t>
-            </a:r>
-            <a:r>
-              <a:rPr lang="tr-TR" sz="1600" dirty="0"/>
-              <a:t> </a:t>
-            </a:r>
-            <a:r>
-              <a:rPr lang="tr-TR" sz="1600" dirty="0" err="1"/>
-              <a:t>does</a:t>
-            </a:r>
-            <a:r>
-              <a:rPr lang="tr-TR" sz="1600" dirty="0"/>
-              <a:t> not </a:t>
-            </a:r>
-            <a:r>
-              <a:rPr lang="tr-TR" sz="1600" dirty="0" err="1"/>
-              <a:t>match</a:t>
-            </a:r>
-            <a:r>
-              <a:rPr lang="tr-TR" sz="1600" dirty="0"/>
-              <a:t> </a:t>
-            </a:r>
-            <a:r>
-              <a:rPr lang="tr-TR" sz="1600" dirty="0" err="1"/>
-              <a:t>any</a:t>
-            </a:r>
-            <a:r>
-              <a:rPr lang="tr-TR" sz="1600" dirty="0"/>
-              <a:t> </a:t>
-            </a:r>
-            <a:r>
-              <a:rPr lang="tr-TR" sz="1600" dirty="0" err="1"/>
-              <a:t>case</a:t>
-            </a:r>
-            <a:r>
-              <a:rPr lang="tr-TR" sz="1600" dirty="0"/>
-              <a:t>, </a:t>
-            </a:r>
-            <a:r>
-              <a:rPr lang="tr-TR" sz="1600" dirty="0" err="1"/>
-              <a:t>use</a:t>
-            </a:r>
-            <a:r>
-              <a:rPr lang="tr-TR" sz="1600" dirty="0"/>
-              <a:t> </a:t>
-            </a:r>
-            <a:r>
-              <a:rPr lang="tr-TR" sz="1600" dirty="0" err="1"/>
-              <a:t>the</a:t>
-            </a:r>
-            <a:r>
-              <a:rPr lang="tr-TR" sz="1600" dirty="0"/>
-              <a:t> </a:t>
-            </a:r>
-            <a:r>
-              <a:rPr lang="tr-TR" sz="1600" dirty="0" err="1"/>
-              <a:t>statement</a:t>
-            </a:r>
-            <a:r>
-              <a:rPr lang="tr-TR" sz="1600" dirty="0"/>
-              <a:t> </a:t>
-            </a:r>
-            <a:r>
-              <a:rPr lang="tr-TR" sz="1600" dirty="0" err="1"/>
-              <a:t>indented</a:t>
-            </a:r>
-            <a:r>
-              <a:rPr lang="tr-TR" sz="1600" dirty="0"/>
-              <a:t> </a:t>
-            </a:r>
-            <a:r>
-              <a:rPr lang="tr-TR" sz="1600" dirty="0" err="1"/>
-              <a:t>under</a:t>
-            </a:r>
-            <a:r>
-              <a:rPr lang="tr-TR" sz="1600" dirty="0"/>
-              <a:t> </a:t>
-            </a:r>
-            <a:r>
-              <a:rPr lang="en-US" sz="1600" dirty="0">
+              <a:rPr lang="en-GB" sz="1600" dirty="0"/>
+              <a:t>if the selector variable does not match any case, use the statement indented under </a:t>
+            </a:r>
+            <a:r>
+              <a:rPr lang="en-GB" sz="1600" dirty="0">
                 <a:latin typeface="Courier" pitchFamily="2" charset="0"/>
               </a:rPr>
               <a:t>“*”</a:t>
@@ -6308,7 +5685,7 @@
               <a:buChar char="•"/>
             </a:pPr>
             <a:r>
-              <a:rPr lang="en-US" sz="1600" dirty="0">
+              <a:rPr lang="en-GB" sz="1600" dirty="0">
                 <a:latin typeface="Courier" pitchFamily="2" charset="0"/>
               </a:rPr>
               <a:t>optional</a:t>
